--- a/network.pptx
+++ b/network.pptx
@@ -4,10 +4,13 @@
   <p:sldMasterIdLst>
     <p:sldMasterId id="2147483696" r:id="rId1"/>
   </p:sldMasterIdLst>
+  <p:notesMasterIdLst>
+    <p:notesMasterId r:id="rId70"/>
+  </p:notesMasterIdLst>
   <p:sldIdLst>
     <p:sldId id="256" r:id="rId2"/>
     <p:sldId id="371" r:id="rId3"/>
-    <p:sldId id="358" r:id="rId4"/>
+    <p:sldId id="382" r:id="rId4"/>
     <p:sldId id="257" r:id="rId5"/>
     <p:sldId id="315" r:id="rId6"/>
     <p:sldId id="259" r:id="rId7"/>
@@ -72,6 +75,7 @@
     <p:sldId id="378" r:id="rId66"/>
     <p:sldId id="379" r:id="rId67"/>
     <p:sldId id="380" r:id="rId68"/>
+    <p:sldId id="381" r:id="rId69"/>
   </p:sldIdLst>
   <p:sldSz cx="9144000" cy="6858000" type="screen4x3"/>
   <p:notesSz cx="6858000" cy="9144000"/>
@@ -189,6 +193,440 @@
 </p:presentation>
 </file>
 
+<file path=ppt/notesMasters/notesMaster1.xml><?xml version="1.0" encoding="utf-8"?>
+<p:notesMaster xmlns:a="http://schemas.openxmlformats.org/drawingml/2006/main" xmlns:r="http://schemas.openxmlformats.org/officeDocument/2006/relationships" xmlns:p="http://schemas.openxmlformats.org/presentationml/2006/main">
+  <p:cSld>
+    <p:bg>
+      <p:bgRef idx="1001">
+        <a:schemeClr val="bg1"/>
+      </p:bgRef>
+    </p:bg>
+    <p:spTree>
+      <p:nvGrpSpPr>
+        <p:cNvPr id="1" name=""/>
+        <p:cNvGrpSpPr/>
+        <p:nvPr/>
+      </p:nvGrpSpPr>
+      <p:grpSpPr>
+        <a:xfrm>
+          <a:off x="0" y="0"/>
+          <a:ext cx="0" cy="0"/>
+          <a:chOff x="0" y="0"/>
+          <a:chExt cx="0" cy="0"/>
+        </a:xfrm>
+      </p:grpSpPr>
+      <p:sp>
+        <p:nvSpPr>
+          <p:cNvPr id="2" name="Header Placeholder 1"/>
+          <p:cNvSpPr>
+            <a:spLocks noGrp="1"/>
+          </p:cNvSpPr>
+          <p:nvPr>
+            <p:ph type="hdr" sz="quarter"/>
+          </p:nvPr>
+        </p:nvSpPr>
+        <p:spPr>
+          <a:xfrm>
+            <a:off x="0" y="0"/>
+            <a:ext cx="2971800" cy="458788"/>
+          </a:xfrm>
+          <a:prstGeom prst="rect">
+            <a:avLst/>
+          </a:prstGeom>
+        </p:spPr>
+        <p:txBody>
+          <a:bodyPr vert="horz" lIns="91440" tIns="45720" rIns="91440" bIns="45720" rtlCol="0"/>
+          <a:lstStyle>
+            <a:lvl1pPr algn="l">
+              <a:defRPr sz="1200"/>
+            </a:lvl1pPr>
+          </a:lstStyle>
+          <a:p>
+            <a:endParaRPr lang="en-US"/>
+          </a:p>
+        </p:txBody>
+      </p:sp>
+      <p:sp>
+        <p:nvSpPr>
+          <p:cNvPr id="3" name="Date Placeholder 2"/>
+          <p:cNvSpPr>
+            <a:spLocks noGrp="1"/>
+          </p:cNvSpPr>
+          <p:nvPr>
+            <p:ph type="dt" idx="1"/>
+          </p:nvPr>
+        </p:nvSpPr>
+        <p:spPr>
+          <a:xfrm>
+            <a:off x="3884613" y="0"/>
+            <a:ext cx="2971800" cy="458788"/>
+          </a:xfrm>
+          <a:prstGeom prst="rect">
+            <a:avLst/>
+          </a:prstGeom>
+        </p:spPr>
+        <p:txBody>
+          <a:bodyPr vert="horz" lIns="91440" tIns="45720" rIns="91440" bIns="45720" rtlCol="0"/>
+          <a:lstStyle>
+            <a:lvl1pPr algn="r">
+              <a:defRPr sz="1200"/>
+            </a:lvl1pPr>
+          </a:lstStyle>
+          <a:p>
+            <a:fld id="{8B67F6F2-F2BF-4279-B75D-5DD895632DA6}" type="datetimeFigureOut">
+              <a:rPr lang="en-US" smtClean="0"/>
+              <a:t>10/15/2015</a:t>
+            </a:fld>
+            <a:endParaRPr lang="en-US"/>
+          </a:p>
+        </p:txBody>
+      </p:sp>
+      <p:sp>
+        <p:nvSpPr>
+          <p:cNvPr id="4" name="Slide Image Placeholder 3"/>
+          <p:cNvSpPr>
+            <a:spLocks noGrp="1" noRot="1" noChangeAspect="1"/>
+          </p:cNvSpPr>
+          <p:nvPr>
+            <p:ph type="sldImg" idx="2"/>
+          </p:nvPr>
+        </p:nvSpPr>
+        <p:spPr>
+          <a:xfrm>
+            <a:off x="1371600" y="1143000"/>
+            <a:ext cx="4114800" cy="3086100"/>
+          </a:xfrm>
+          <a:prstGeom prst="rect">
+            <a:avLst/>
+          </a:prstGeom>
+          <a:noFill/>
+          <a:ln w="12700">
+            <a:solidFill>
+              <a:prstClr val="black"/>
+            </a:solidFill>
+          </a:ln>
+        </p:spPr>
+        <p:txBody>
+          <a:bodyPr vert="horz" lIns="91440" tIns="45720" rIns="91440" bIns="45720" rtlCol="0" anchor="ctr"/>
+          <a:lstStyle/>
+          <a:p>
+            <a:endParaRPr lang="en-US"/>
+          </a:p>
+        </p:txBody>
+      </p:sp>
+      <p:sp>
+        <p:nvSpPr>
+          <p:cNvPr id="5" name="Notes Placeholder 4"/>
+          <p:cNvSpPr>
+            <a:spLocks noGrp="1"/>
+          </p:cNvSpPr>
+          <p:nvPr>
+            <p:ph type="body" sz="quarter" idx="3"/>
+          </p:nvPr>
+        </p:nvSpPr>
+        <p:spPr>
+          <a:xfrm>
+            <a:off x="685800" y="4400550"/>
+            <a:ext cx="5486400" cy="3600450"/>
+          </a:xfrm>
+          <a:prstGeom prst="rect">
+            <a:avLst/>
+          </a:prstGeom>
+        </p:spPr>
+        <p:txBody>
+          <a:bodyPr vert="horz" lIns="91440" tIns="45720" rIns="91440" bIns="45720" rtlCol="0"/>
+          <a:lstStyle/>
+          <a:p>
+            <a:pPr lvl="0"/>
+            <a:r>
+              <a:rPr lang="en-US" smtClean="0"/>
+              <a:t>Click to edit Master text styles</a:t>
+            </a:r>
+          </a:p>
+          <a:p>
+            <a:pPr lvl="1"/>
+            <a:r>
+              <a:rPr lang="en-US" smtClean="0"/>
+              <a:t>Second level</a:t>
+            </a:r>
+          </a:p>
+          <a:p>
+            <a:pPr lvl="2"/>
+            <a:r>
+              <a:rPr lang="en-US" smtClean="0"/>
+              <a:t>Third level</a:t>
+            </a:r>
+          </a:p>
+          <a:p>
+            <a:pPr lvl="3"/>
+            <a:r>
+              <a:rPr lang="en-US" smtClean="0"/>
+              <a:t>Fourth level</a:t>
+            </a:r>
+          </a:p>
+          <a:p>
+            <a:pPr lvl="4"/>
+            <a:r>
+              <a:rPr lang="en-US" smtClean="0"/>
+              <a:t>Fifth level</a:t>
+            </a:r>
+            <a:endParaRPr lang="en-US"/>
+          </a:p>
+        </p:txBody>
+      </p:sp>
+      <p:sp>
+        <p:nvSpPr>
+          <p:cNvPr id="6" name="Footer Placeholder 5"/>
+          <p:cNvSpPr>
+            <a:spLocks noGrp="1"/>
+          </p:cNvSpPr>
+          <p:nvPr>
+            <p:ph type="ftr" sz="quarter" idx="4"/>
+          </p:nvPr>
+        </p:nvSpPr>
+        <p:spPr>
+          <a:xfrm>
+            <a:off x="0" y="8685213"/>
+            <a:ext cx="2971800" cy="458787"/>
+          </a:xfrm>
+          <a:prstGeom prst="rect">
+            <a:avLst/>
+          </a:prstGeom>
+        </p:spPr>
+        <p:txBody>
+          <a:bodyPr vert="horz" lIns="91440" tIns="45720" rIns="91440" bIns="45720" rtlCol="0" anchor="b"/>
+          <a:lstStyle>
+            <a:lvl1pPr algn="l">
+              <a:defRPr sz="1200"/>
+            </a:lvl1pPr>
+          </a:lstStyle>
+          <a:p>
+            <a:endParaRPr lang="en-US"/>
+          </a:p>
+        </p:txBody>
+      </p:sp>
+      <p:sp>
+        <p:nvSpPr>
+          <p:cNvPr id="7" name="Slide Number Placeholder 6"/>
+          <p:cNvSpPr>
+            <a:spLocks noGrp="1"/>
+          </p:cNvSpPr>
+          <p:nvPr>
+            <p:ph type="sldNum" sz="quarter" idx="5"/>
+          </p:nvPr>
+        </p:nvSpPr>
+        <p:spPr>
+          <a:xfrm>
+            <a:off x="3884613" y="8685213"/>
+            <a:ext cx="2971800" cy="458787"/>
+          </a:xfrm>
+          <a:prstGeom prst="rect">
+            <a:avLst/>
+          </a:prstGeom>
+        </p:spPr>
+        <p:txBody>
+          <a:bodyPr vert="horz" lIns="91440" tIns="45720" rIns="91440" bIns="45720" rtlCol="0" anchor="b"/>
+          <a:lstStyle>
+            <a:lvl1pPr algn="r">
+              <a:defRPr sz="1200"/>
+            </a:lvl1pPr>
+          </a:lstStyle>
+          <a:p>
+            <a:fld id="{208F8197-1942-4007-9D6E-95AABA4E98BC}" type="slidenum">
+              <a:rPr lang="en-US" smtClean="0"/>
+              <a:t>‹#›</a:t>
+            </a:fld>
+            <a:endParaRPr lang="en-US"/>
+          </a:p>
+        </p:txBody>
+      </p:sp>
+    </p:spTree>
+    <p:extLst>
+      <p:ext uri="{BB962C8B-B14F-4D97-AF65-F5344CB8AC3E}">
+        <p14:creationId xmlns:p14="http://schemas.microsoft.com/office/powerpoint/2010/main" val="1576215600"/>
+      </p:ext>
+    </p:extLst>
+  </p:cSld>
+  <p:clrMap bg1="lt1" tx1="dk1" bg2="lt2" tx2="dk2" accent1="accent1" accent2="accent2" accent3="accent3" accent4="accent4" accent5="accent5" accent6="accent6" hlink="hlink" folHlink="folHlink"/>
+  <p:notesStyle>
+    <a:lvl1pPr marL="0" algn="l" defTabSz="914400" rtl="0" eaLnBrk="1" latinLnBrk="0" hangingPunct="1">
+      <a:defRPr sz="1200" kern="1200">
+        <a:solidFill>
+          <a:schemeClr val="tx1"/>
+        </a:solidFill>
+        <a:latin typeface="+mn-lt"/>
+        <a:ea typeface="+mn-ea"/>
+        <a:cs typeface="+mn-cs"/>
+      </a:defRPr>
+    </a:lvl1pPr>
+    <a:lvl2pPr marL="457200" algn="l" defTabSz="914400" rtl="0" eaLnBrk="1" latinLnBrk="0" hangingPunct="1">
+      <a:defRPr sz="1200" kern="1200">
+        <a:solidFill>
+          <a:schemeClr val="tx1"/>
+        </a:solidFill>
+        <a:latin typeface="+mn-lt"/>
+        <a:ea typeface="+mn-ea"/>
+        <a:cs typeface="+mn-cs"/>
+      </a:defRPr>
+    </a:lvl2pPr>
+    <a:lvl3pPr marL="914400" algn="l" defTabSz="914400" rtl="0" eaLnBrk="1" latinLnBrk="0" hangingPunct="1">
+      <a:defRPr sz="1200" kern="1200">
+        <a:solidFill>
+          <a:schemeClr val="tx1"/>
+        </a:solidFill>
+        <a:latin typeface="+mn-lt"/>
+        <a:ea typeface="+mn-ea"/>
+        <a:cs typeface="+mn-cs"/>
+      </a:defRPr>
+    </a:lvl3pPr>
+    <a:lvl4pPr marL="1371600" algn="l" defTabSz="914400" rtl="0" eaLnBrk="1" latinLnBrk="0" hangingPunct="1">
+      <a:defRPr sz="1200" kern="1200">
+        <a:solidFill>
+          <a:schemeClr val="tx1"/>
+        </a:solidFill>
+        <a:latin typeface="+mn-lt"/>
+        <a:ea typeface="+mn-ea"/>
+        <a:cs typeface="+mn-cs"/>
+      </a:defRPr>
+    </a:lvl4pPr>
+    <a:lvl5pPr marL="1828800" algn="l" defTabSz="914400" rtl="0" eaLnBrk="1" latinLnBrk="0" hangingPunct="1">
+      <a:defRPr sz="1200" kern="1200">
+        <a:solidFill>
+          <a:schemeClr val="tx1"/>
+        </a:solidFill>
+        <a:latin typeface="+mn-lt"/>
+        <a:ea typeface="+mn-ea"/>
+        <a:cs typeface="+mn-cs"/>
+      </a:defRPr>
+    </a:lvl5pPr>
+    <a:lvl6pPr marL="2286000" algn="l" defTabSz="914400" rtl="0" eaLnBrk="1" latinLnBrk="0" hangingPunct="1">
+      <a:defRPr sz="1200" kern="1200">
+        <a:solidFill>
+          <a:schemeClr val="tx1"/>
+        </a:solidFill>
+        <a:latin typeface="+mn-lt"/>
+        <a:ea typeface="+mn-ea"/>
+        <a:cs typeface="+mn-cs"/>
+      </a:defRPr>
+    </a:lvl6pPr>
+    <a:lvl7pPr marL="2743200" algn="l" defTabSz="914400" rtl="0" eaLnBrk="1" latinLnBrk="0" hangingPunct="1">
+      <a:defRPr sz="1200" kern="1200">
+        <a:solidFill>
+          <a:schemeClr val="tx1"/>
+        </a:solidFill>
+        <a:latin typeface="+mn-lt"/>
+        <a:ea typeface="+mn-ea"/>
+        <a:cs typeface="+mn-cs"/>
+      </a:defRPr>
+    </a:lvl7pPr>
+    <a:lvl8pPr marL="3200400" algn="l" defTabSz="914400" rtl="0" eaLnBrk="1" latinLnBrk="0" hangingPunct="1">
+      <a:defRPr sz="1200" kern="1200">
+        <a:solidFill>
+          <a:schemeClr val="tx1"/>
+        </a:solidFill>
+        <a:latin typeface="+mn-lt"/>
+        <a:ea typeface="+mn-ea"/>
+        <a:cs typeface="+mn-cs"/>
+      </a:defRPr>
+    </a:lvl8pPr>
+    <a:lvl9pPr marL="3657600" algn="l" defTabSz="914400" rtl="0" eaLnBrk="1" latinLnBrk="0" hangingPunct="1">
+      <a:defRPr sz="1200" kern="1200">
+        <a:solidFill>
+          <a:schemeClr val="tx1"/>
+        </a:solidFill>
+        <a:latin typeface="+mn-lt"/>
+        <a:ea typeface="+mn-ea"/>
+        <a:cs typeface="+mn-cs"/>
+      </a:defRPr>
+    </a:lvl9pPr>
+  </p:notesStyle>
+</p:notesMaster>
+</file>
+
+<file path=ppt/notesSlides/notesSlide1.xml><?xml version="1.0" encoding="utf-8"?>
+<p:notes xmlns:a="http://schemas.openxmlformats.org/drawingml/2006/main" xmlns:r="http://schemas.openxmlformats.org/officeDocument/2006/relationships" xmlns:p="http://schemas.openxmlformats.org/presentationml/2006/main">
+  <p:cSld>
+    <p:spTree>
+      <p:nvGrpSpPr>
+        <p:cNvPr id="1" name=""/>
+        <p:cNvGrpSpPr/>
+        <p:nvPr/>
+      </p:nvGrpSpPr>
+      <p:grpSpPr>
+        <a:xfrm>
+          <a:off x="0" y="0"/>
+          <a:ext cx="0" cy="0"/>
+          <a:chOff x="0" y="0"/>
+          <a:chExt cx="0" cy="0"/>
+        </a:xfrm>
+      </p:grpSpPr>
+      <p:sp>
+        <p:nvSpPr>
+          <p:cNvPr id="2" name="Slide Image Placeholder 1"/>
+          <p:cNvSpPr>
+            <a:spLocks noGrp="1" noRot="1" noChangeAspect="1"/>
+          </p:cNvSpPr>
+          <p:nvPr>
+            <p:ph type="sldImg"/>
+          </p:nvPr>
+        </p:nvSpPr>
+        <p:spPr/>
+      </p:sp>
+      <p:sp>
+        <p:nvSpPr>
+          <p:cNvPr id="3" name="Notes Placeholder 2"/>
+          <p:cNvSpPr>
+            <a:spLocks noGrp="1"/>
+          </p:cNvSpPr>
+          <p:nvPr>
+            <p:ph type="body" idx="1"/>
+          </p:nvPr>
+        </p:nvSpPr>
+        <p:spPr/>
+        <p:txBody>
+          <a:bodyPr/>
+          <a:lstStyle/>
+          <a:p>
+            <a:endParaRPr lang="en-US" dirty="0"/>
+          </a:p>
+        </p:txBody>
+      </p:sp>
+      <p:sp>
+        <p:nvSpPr>
+          <p:cNvPr id="4" name="Slide Number Placeholder 3"/>
+          <p:cNvSpPr>
+            <a:spLocks noGrp="1"/>
+          </p:cNvSpPr>
+          <p:nvPr>
+            <p:ph type="sldNum" sz="quarter" idx="10"/>
+          </p:nvPr>
+        </p:nvSpPr>
+        <p:spPr/>
+        <p:txBody>
+          <a:bodyPr/>
+          <a:lstStyle/>
+          <a:p>
+            <a:fld id="{208F8197-1942-4007-9D6E-95AABA4E98BC}" type="slidenum">
+              <a:rPr lang="en-US" smtClean="0"/>
+              <a:t>31</a:t>
+            </a:fld>
+            <a:endParaRPr lang="en-US"/>
+          </a:p>
+        </p:txBody>
+      </p:sp>
+    </p:spTree>
+    <p:extLst>
+      <p:ext uri="{BB962C8B-B14F-4D97-AF65-F5344CB8AC3E}">
+        <p14:creationId xmlns:p14="http://schemas.microsoft.com/office/powerpoint/2010/main" val="845457995"/>
+      </p:ext>
+    </p:extLst>
+  </p:cSld>
+  <p:clrMapOvr>
+    <a:masterClrMapping/>
+  </p:clrMapOvr>
+</p:notes>
+</file>
+
 <file path=ppt/slideLayouts/slideLayout1.xml><?xml version="1.0" encoding="utf-8"?>
 <p:sldLayout xmlns:a="http://schemas.openxmlformats.org/drawingml/2006/main" xmlns:r="http://schemas.openxmlformats.org/officeDocument/2006/relationships" xmlns:p="http://schemas.openxmlformats.org/presentationml/2006/main" type="title" preserve="1">
   <p:cSld name="Title Slide">
@@ -375,7 +813,7 @@
           <a:p>
             <a:fld id="{E6408D5C-5A68-41E6-8513-A7080AEAD91C}" type="datetimeFigureOut">
               <a:rPr lang="en-US" smtClean="0"/>
-              <a:t>11/26/2014</a:t>
+              <a:t>10/15/2015</a:t>
             </a:fld>
             <a:endParaRPr lang="en-US"/>
           </a:p>
@@ -552,7 +990,7 @@
           <a:p>
             <a:fld id="{E6408D5C-5A68-41E6-8513-A7080AEAD91C}" type="datetimeFigureOut">
               <a:rPr lang="en-US" smtClean="0"/>
-              <a:t>11/26/2014</a:t>
+              <a:t>10/15/2015</a:t>
             </a:fld>
             <a:endParaRPr lang="en-US"/>
           </a:p>
@@ -732,7 +1170,7 @@
           <a:p>
             <a:fld id="{E6408D5C-5A68-41E6-8513-A7080AEAD91C}" type="datetimeFigureOut">
               <a:rPr lang="en-US" smtClean="0"/>
-              <a:t>11/26/2014</a:t>
+              <a:t>10/15/2015</a:t>
             </a:fld>
             <a:endParaRPr lang="en-US"/>
           </a:p>
@@ -907,7 +1345,7 @@
           <a:p>
             <a:fld id="{E6408D5C-5A68-41E6-8513-A7080AEAD91C}" type="datetimeFigureOut">
               <a:rPr lang="en-US" smtClean="0"/>
-              <a:t>11/26/2014</a:t>
+              <a:t>10/15/2015</a:t>
             </a:fld>
             <a:endParaRPr lang="en-US"/>
           </a:p>
@@ -1160,7 +1598,7 @@
           <a:p>
             <a:fld id="{E6408D5C-5A68-41E6-8513-A7080AEAD91C}" type="datetimeFigureOut">
               <a:rPr lang="en-US" smtClean="0"/>
-              <a:t>11/26/2014</a:t>
+              <a:t>10/15/2015</a:t>
             </a:fld>
             <a:endParaRPr lang="en-US"/>
           </a:p>
@@ -1448,7 +1886,7 @@
           <a:p>
             <a:fld id="{E6408D5C-5A68-41E6-8513-A7080AEAD91C}" type="datetimeFigureOut">
               <a:rPr lang="en-US" smtClean="0"/>
-              <a:t>11/26/2014</a:t>
+              <a:t>10/15/2015</a:t>
             </a:fld>
             <a:endParaRPr lang="en-US"/>
           </a:p>
@@ -1870,7 +2308,7 @@
           <a:p>
             <a:fld id="{E6408D5C-5A68-41E6-8513-A7080AEAD91C}" type="datetimeFigureOut">
               <a:rPr lang="en-US" smtClean="0"/>
-              <a:t>11/26/2014</a:t>
+              <a:t>10/15/2015</a:t>
             </a:fld>
             <a:endParaRPr lang="en-US"/>
           </a:p>
@@ -1988,7 +2426,7 @@
           <a:p>
             <a:fld id="{E6408D5C-5A68-41E6-8513-A7080AEAD91C}" type="datetimeFigureOut">
               <a:rPr lang="en-US" smtClean="0"/>
-              <a:t>11/26/2014</a:t>
+              <a:t>10/15/2015</a:t>
             </a:fld>
             <a:endParaRPr lang="en-US"/>
           </a:p>
@@ -2083,7 +2521,7 @@
           <a:p>
             <a:fld id="{E6408D5C-5A68-41E6-8513-A7080AEAD91C}" type="datetimeFigureOut">
               <a:rPr lang="en-US" smtClean="0"/>
-              <a:t>11/26/2014</a:t>
+              <a:t>10/15/2015</a:t>
             </a:fld>
             <a:endParaRPr lang="en-US"/>
           </a:p>
@@ -2360,7 +2798,7 @@
           <a:p>
             <a:fld id="{E6408D5C-5A68-41E6-8513-A7080AEAD91C}" type="datetimeFigureOut">
               <a:rPr lang="en-US" smtClean="0"/>
-              <a:t>11/26/2014</a:t>
+              <a:t>10/15/2015</a:t>
             </a:fld>
             <a:endParaRPr lang="en-US"/>
           </a:p>
@@ -2613,7 +3051,7 @@
           <a:p>
             <a:fld id="{E6408D5C-5A68-41E6-8513-A7080AEAD91C}" type="datetimeFigureOut">
               <a:rPr lang="en-US" smtClean="0"/>
-              <a:t>11/26/2014</a:t>
+              <a:t>10/15/2015</a:t>
             </a:fld>
             <a:endParaRPr lang="en-US"/>
           </a:p>
@@ -2826,7 +3264,7 @@
           <a:p>
             <a:fld id="{E6408D5C-5A68-41E6-8513-A7080AEAD91C}" type="datetimeFigureOut">
               <a:rPr lang="en-US" smtClean="0"/>
-              <a:t>11/26/2014</a:t>
+              <a:t>10/15/2015</a:t>
             </a:fld>
             <a:endParaRPr lang="en-US"/>
           </a:p>
@@ -4261,6 +4699,13 @@
   <p:clrMapOvr>
     <a:masterClrMapping/>
   </p:clrMapOvr>
+  <p:timing>
+    <p:tnLst>
+      <p:par>
+        <p:cTn id="1" dur="indefinite" restart="never" nodeType="tmRoot"/>
+      </p:par>
+    </p:tnLst>
+  </p:timing>
 </p:sld>
 </file>
 
@@ -4746,6 +5191,13 @@
   <p:clrMapOvr>
     <a:masterClrMapping/>
   </p:clrMapOvr>
+  <p:timing>
+    <p:tnLst>
+      <p:par>
+        <p:cTn id="1" dur="indefinite" restart="never" nodeType="tmRoot"/>
+      </p:par>
+    </p:tnLst>
+  </p:timing>
 </p:sld>
 </file>
 
@@ -4817,6 +5269,13 @@
   <p:clrMapOvr>
     <a:masterClrMapping/>
   </p:clrMapOvr>
+  <p:timing>
+    <p:tnLst>
+      <p:par>
+        <p:cTn id="1" dur="indefinite" restart="never" nodeType="tmRoot"/>
+      </p:par>
+    </p:tnLst>
+  </p:timing>
 </p:sld>
 </file>
 
@@ -4999,7 +5458,7 @@
         </p:nvSpPr>
         <p:spPr>
           <a:xfrm>
-            <a:off x="6934200" y="2819400"/>
+            <a:off x="4610100" y="2819400"/>
             <a:ext cx="1981200" cy="762000"/>
           </a:xfrm>
           <a:prstGeom prst="rect">
@@ -5043,7 +5502,7 @@
         </p:nvSpPr>
         <p:spPr>
           <a:xfrm>
-            <a:off x="4724400" y="2819400"/>
+            <a:off x="6705600" y="2819400"/>
             <a:ext cx="1981200" cy="762000"/>
           </a:xfrm>
           <a:prstGeom prst="rect">
@@ -5501,7 +5960,73 @@
       </p:grpSpPr>
       <p:sp>
         <p:nvSpPr>
-          <p:cNvPr id="2" name="Title 1"/>
+          <p:cNvPr id="3" name="Content Placeholder 2"/>
+          <p:cNvSpPr>
+            <a:spLocks noGrp="1"/>
+          </p:cNvSpPr>
+          <p:nvPr>
+            <p:ph idx="1"/>
+          </p:nvPr>
+        </p:nvSpPr>
+        <p:spPr/>
+        <p:txBody>
+          <a:bodyPr/>
+          <a:lstStyle/>
+          <a:p>
+            <a:pPr marL="0" indent="0" algn="ctr">
+              <a:buNone/>
+            </a:pPr>
+            <a:r>
+              <a:rPr lang="en-US" dirty="0"/>
+              <a:t>299 792 458 m / </a:t>
+            </a:r>
+            <a:r>
+              <a:rPr lang="en-US" dirty="0" smtClean="0"/>
+              <a:t>s</a:t>
+            </a:r>
+          </a:p>
+          <a:p>
+            <a:pPr marL="0" indent="0" algn="ctr">
+              <a:buNone/>
+            </a:pPr>
+            <a:endParaRPr lang="en-US" dirty="0"/>
+          </a:p>
+          <a:p>
+            <a:pPr marL="0" indent="0" algn="ctr">
+              <a:buNone/>
+            </a:pPr>
+            <a:r>
+              <a:rPr lang="en-US" dirty="0" smtClean="0"/>
+              <a:t>~ 209 854 720 </a:t>
+            </a:r>
+            <a:r>
+              <a:rPr lang="en-US" dirty="0"/>
+              <a:t>m / s</a:t>
+            </a:r>
+          </a:p>
+          <a:p>
+            <a:pPr marL="0" indent="0" algn="ctr">
+              <a:buNone/>
+            </a:pPr>
+            <a:endParaRPr lang="en-US" dirty="0" smtClean="0"/>
+          </a:p>
+          <a:p>
+            <a:pPr marL="0" indent="0" algn="ctr">
+              <a:buNone/>
+            </a:pPr>
+            <a:endParaRPr lang="en-US" dirty="0"/>
+          </a:p>
+          <a:p>
+            <a:pPr marL="0" indent="0" algn="ctr">
+              <a:buNone/>
+            </a:pPr>
+            <a:endParaRPr lang="en-US" dirty="0"/>
+          </a:p>
+        </p:txBody>
+      </p:sp>
+      <p:sp>
+        <p:nvSpPr>
+          <p:cNvPr id="4" name="Title 3"/>
           <p:cNvSpPr>
             <a:spLocks noGrp="1"/>
           </p:cNvSpPr>
@@ -5511,35 +6036,10 @@
         </p:nvSpPr>
         <p:spPr/>
         <p:txBody>
-          <a:bodyPr>
-            <a:normAutofit fontScale="90000"/>
-          </a:bodyPr>
-          <a:lstStyle/>
-          <a:p>
-            <a:r>
-              <a:rPr lang="en-US" dirty="0" smtClean="0"/>
-              <a:t>Add speed of light and speed in fiber</a:t>
-            </a:r>
-            <a:endParaRPr lang="en-US" dirty="0"/>
-          </a:p>
-        </p:txBody>
-      </p:sp>
-      <p:sp>
-        <p:nvSpPr>
-          <p:cNvPr id="3" name="Content Placeholder 2"/>
-          <p:cNvSpPr>
-            <a:spLocks noGrp="1"/>
-          </p:cNvSpPr>
-          <p:nvPr>
-            <p:ph idx="1"/>
-          </p:nvPr>
-        </p:nvSpPr>
-        <p:spPr/>
-        <p:txBody>
-          <a:bodyPr/>
-          <a:lstStyle/>
-          <a:p>
-            <a:endParaRPr lang="en-US" dirty="0"/>
+          <a:bodyPr/>
+          <a:lstStyle/>
+          <a:p>
+            <a:endParaRPr lang="en-US"/>
           </a:p>
         </p:txBody>
       </p:sp>
@@ -5553,6 +6053,13 @@
   <p:clrMapOvr>
     <a:masterClrMapping/>
   </p:clrMapOvr>
+  <p:timing>
+    <p:tnLst>
+      <p:par>
+        <p:cTn id="1" dur="indefinite" restart="never" nodeType="tmRoot"/>
+      </p:par>
+    </p:tnLst>
+  </p:timing>
 </p:sld>
 </file>
 
@@ -5984,6 +6491,13 @@
   <p:clrMapOvr>
     <a:masterClrMapping/>
   </p:clrMapOvr>
+  <p:timing>
+    <p:tnLst>
+      <p:par>
+        <p:cTn id="1" dur="indefinite" restart="never" nodeType="tmRoot"/>
+      </p:par>
+    </p:tnLst>
+  </p:timing>
 </p:sld>
 </file>
 
@@ -6990,106 +7504,59 @@
           <a:lstStyle/>
           <a:p>
             <a:r>
+              <a:rPr lang="en-US" dirty="0" smtClean="0"/>
+              <a:t>Alexa</a:t>
+            </a:r>
+            <a:endParaRPr lang="en-US" dirty="0"/>
+          </a:p>
+        </p:txBody>
+      </p:sp>
+      <p:sp>
+        <p:nvSpPr>
+          <p:cNvPr id="3" name="Content Placeholder 2"/>
+          <p:cNvSpPr>
+            <a:spLocks noGrp="1"/>
+          </p:cNvSpPr>
+          <p:nvPr>
+            <p:ph idx="1"/>
+          </p:nvPr>
+        </p:nvSpPr>
+        <p:spPr/>
+        <p:txBody>
+          <a:bodyPr/>
+          <a:lstStyle/>
+          <a:p>
+            <a:pPr marL="0" indent="0">
+              <a:buNone/>
+            </a:pPr>
+            <a:r>
+              <a:rPr lang="en-US" dirty="0" smtClean="0"/>
+              <a:t>	http</a:t>
+            </a:r>
+            <a:r>
               <a:rPr lang="en-US" dirty="0"/>
-              <a:t>Inspired by</a:t>
-            </a:r>
-          </a:p>
-        </p:txBody>
-      </p:sp>
-      <p:sp>
-        <p:nvSpPr>
-          <p:cNvPr id="3" name="Content Placeholder 2"/>
-          <p:cNvSpPr>
-            <a:spLocks noGrp="1"/>
-          </p:cNvSpPr>
-          <p:nvPr>
-            <p:ph idx="1"/>
-          </p:nvPr>
-        </p:nvSpPr>
-        <p:spPr/>
-        <p:txBody>
-          <a:bodyPr/>
-          <a:lstStyle/>
-          <a:p>
-            <a:r>
-              <a:rPr lang="en-US" b="1" dirty="0"/>
-              <a:t>High Performance Browser </a:t>
-            </a:r>
-            <a:r>
-              <a:rPr lang="en-US" b="1" dirty="0" smtClean="0"/>
-              <a:t>Networking</a:t>
-            </a:r>
-            <a:r>
-              <a:rPr lang="en-US" dirty="0" smtClean="0"/>
-              <a:t> (</a:t>
-            </a:r>
-            <a:r>
-              <a:rPr lang="en-US" dirty="0"/>
-              <a:t>Ilya </a:t>
-            </a:r>
-            <a:r>
-              <a:rPr lang="en-US" dirty="0" err="1" smtClean="0"/>
-              <a:t>Grigorik</a:t>
-            </a:r>
-            <a:r>
-              <a:rPr lang="en-US" dirty="0" smtClean="0"/>
-              <a:t>)</a:t>
-            </a:r>
-          </a:p>
-          <a:p>
-            <a:r>
-              <a:rPr lang="en-US" b="1" dirty="0"/>
-              <a:t>Even Faster Web Sites (</a:t>
-            </a:r>
-            <a:r>
-              <a:rPr lang="en-US" dirty="0"/>
-              <a:t>Steve </a:t>
-            </a:r>
-            <a:r>
-              <a:rPr lang="en-US" dirty="0" err="1"/>
-              <a:t>Souders</a:t>
-            </a:r>
-            <a:r>
-              <a:rPr lang="en-US" b="1" dirty="0"/>
-              <a:t>)</a:t>
-            </a:r>
-            <a:endParaRPr lang="en-US" dirty="0" smtClean="0"/>
-          </a:p>
-          <a:p>
-            <a:r>
-              <a:rPr lang="en-US" b="1" dirty="0" smtClean="0"/>
-              <a:t>Book of Speed (</a:t>
-            </a:r>
-            <a:r>
-              <a:rPr lang="en-US" dirty="0" err="1"/>
-              <a:t>Stoyan</a:t>
-            </a:r>
-            <a:r>
-              <a:rPr lang="en-US" dirty="0"/>
-              <a:t> </a:t>
-            </a:r>
-            <a:r>
-              <a:rPr lang="en-US" dirty="0" err="1" smtClean="0"/>
-              <a:t>Stefanov</a:t>
-            </a:r>
-            <a:r>
-              <a:rPr lang="en-US" b="1" dirty="0" smtClean="0"/>
-              <a:t>)</a:t>
-            </a:r>
-            <a:endParaRPr lang="en-US" b="1" dirty="0"/>
+              <a:t>://www.alexa.com/topsites</a:t>
+            </a:r>
           </a:p>
         </p:txBody>
       </p:sp>
     </p:spTree>
     <p:extLst>
       <p:ext uri="{BB962C8B-B14F-4D97-AF65-F5344CB8AC3E}">
-        <p14:creationId xmlns:p14="http://schemas.microsoft.com/office/powerpoint/2010/main" val="3232461292"/>
+        <p14:creationId xmlns:p14="http://schemas.microsoft.com/office/powerpoint/2010/main" val="2967610114"/>
       </p:ext>
     </p:extLst>
   </p:cSld>
   <p:clrMapOvr>
     <a:masterClrMapping/>
   </p:clrMapOvr>
+  <p:timing>
+    <p:tnLst>
+      <p:par>
+        <p:cTn id="1" dur="indefinite" restart="never" nodeType="tmRoot"/>
+      </p:par>
+    </p:tnLst>
+  </p:timing>
 </p:sld>
 </file>
 
@@ -7261,7 +7728,7 @@
           <p:nvPr/>
         </p:nvPicPr>
         <p:blipFill>
-          <a:blip r:embed="rId2">
+          <a:blip r:embed="rId3">
             <a:extLst>
               <a:ext uri="{28A0092B-C50C-407E-A947-70E740481C1C}">
                 <a14:useLocalDpi xmlns:a14="http://schemas.microsoft.com/office/drawing/2010/main" val="0"/>
@@ -7316,13 +7783,13 @@
           <a:p>
             <a:r>
               <a:rPr lang="en-US" dirty="0">
-                <a:hlinkClick r:id="rId3"/>
+                <a:hlinkClick r:id="rId4"/>
               </a:rPr>
               <a:t>http://</a:t>
             </a:r>
             <a:r>
               <a:rPr lang="en-US" dirty="0" smtClean="0">
-                <a:hlinkClick r:id="rId3"/>
+                <a:hlinkClick r:id="rId4"/>
               </a:rPr>
               <a:t>www.slideshare.net/igrigorik/pagespeed-what-why-and-how-it-works</a:t>
             </a:r>
@@ -8386,6 +8853,13 @@
   <p:clrMapOvr>
     <a:masterClrMapping/>
   </p:clrMapOvr>
+  <p:timing>
+    <p:tnLst>
+      <p:par>
+        <p:cTn id="1" dur="indefinite" restart="never" nodeType="tmRoot"/>
+      </p:par>
+    </p:tnLst>
+  </p:timing>
 </p:sld>
 </file>
 
@@ -12249,6 +12723,142 @@
 </p:sld>
 </file>
 
+<file path=ppt/slides/slide68.xml><?xml version="1.0" encoding="utf-8"?>
+<p:sld xmlns:a="http://schemas.openxmlformats.org/drawingml/2006/main" xmlns:r="http://schemas.openxmlformats.org/officeDocument/2006/relationships" xmlns:p="http://schemas.openxmlformats.org/presentationml/2006/main">
+  <p:cSld>
+    <p:spTree>
+      <p:nvGrpSpPr>
+        <p:cNvPr id="1" name=""/>
+        <p:cNvGrpSpPr/>
+        <p:nvPr/>
+      </p:nvGrpSpPr>
+      <p:grpSpPr>
+        <a:xfrm>
+          <a:off x="0" y="0"/>
+          <a:ext cx="0" cy="0"/>
+          <a:chOff x="0" y="0"/>
+          <a:chExt cx="0" cy="0"/>
+        </a:xfrm>
+      </p:grpSpPr>
+      <p:sp>
+        <p:nvSpPr>
+          <p:cNvPr id="2" name="Title 1"/>
+          <p:cNvSpPr>
+            <a:spLocks noGrp="1"/>
+          </p:cNvSpPr>
+          <p:nvPr>
+            <p:ph type="title"/>
+          </p:nvPr>
+        </p:nvSpPr>
+        <p:spPr/>
+        <p:txBody>
+          <a:bodyPr/>
+          <a:lstStyle/>
+          <a:p>
+            <a:r>
+              <a:rPr lang="en-US" dirty="0"/>
+              <a:t>Inspired by</a:t>
+            </a:r>
+          </a:p>
+        </p:txBody>
+      </p:sp>
+      <p:sp>
+        <p:nvSpPr>
+          <p:cNvPr id="3" name="Content Placeholder 2"/>
+          <p:cNvSpPr>
+            <a:spLocks noGrp="1"/>
+          </p:cNvSpPr>
+          <p:nvPr>
+            <p:ph idx="1"/>
+          </p:nvPr>
+        </p:nvSpPr>
+        <p:spPr/>
+        <p:txBody>
+          <a:bodyPr/>
+          <a:lstStyle/>
+          <a:p>
+            <a:r>
+              <a:rPr lang="en-US" b="1" dirty="0"/>
+              <a:t>High Performance Browser </a:t>
+            </a:r>
+            <a:r>
+              <a:rPr lang="en-US" b="1" dirty="0" smtClean="0"/>
+              <a:t>Networking</a:t>
+            </a:r>
+            <a:r>
+              <a:rPr lang="en-US" dirty="0" smtClean="0"/>
+              <a:t> (</a:t>
+            </a:r>
+            <a:r>
+              <a:rPr lang="en-US" dirty="0"/>
+              <a:t>Ilya </a:t>
+            </a:r>
+            <a:r>
+              <a:rPr lang="en-US" dirty="0" err="1" smtClean="0"/>
+              <a:t>Grigorik</a:t>
+            </a:r>
+            <a:r>
+              <a:rPr lang="en-US" dirty="0" smtClean="0"/>
+              <a:t>)</a:t>
+            </a:r>
+          </a:p>
+          <a:p>
+            <a:r>
+              <a:rPr lang="en-US" b="1" dirty="0"/>
+              <a:t>Even Faster Web Sites (</a:t>
+            </a:r>
+            <a:r>
+              <a:rPr lang="en-US" dirty="0"/>
+              <a:t>Steve </a:t>
+            </a:r>
+            <a:r>
+              <a:rPr lang="en-US" dirty="0" err="1"/>
+              <a:t>Souders</a:t>
+            </a:r>
+            <a:r>
+              <a:rPr lang="en-US" b="1" dirty="0"/>
+              <a:t>)</a:t>
+            </a:r>
+            <a:endParaRPr lang="en-US" dirty="0" smtClean="0"/>
+          </a:p>
+          <a:p>
+            <a:r>
+              <a:rPr lang="en-US" b="1" dirty="0" smtClean="0"/>
+              <a:t>Book of Speed (</a:t>
+            </a:r>
+            <a:r>
+              <a:rPr lang="en-US" dirty="0" err="1"/>
+              <a:t>Stoyan</a:t>
+            </a:r>
+            <a:r>
+              <a:rPr lang="en-US" dirty="0"/>
+              <a:t> </a:t>
+            </a:r>
+            <a:r>
+              <a:rPr lang="en-US" dirty="0" err="1" smtClean="0"/>
+              <a:t>Stefanov</a:t>
+            </a:r>
+            <a:r>
+              <a:rPr lang="en-US" b="1" dirty="0" smtClean="0"/>
+              <a:t>)</a:t>
+            </a:r>
+            <a:endParaRPr lang="en-US" b="1" dirty="0"/>
+          </a:p>
+        </p:txBody>
+      </p:sp>
+    </p:spTree>
+    <p:extLst>
+      <p:ext uri="{BB962C8B-B14F-4D97-AF65-F5344CB8AC3E}">
+        <p14:creationId xmlns:p14="http://schemas.microsoft.com/office/powerpoint/2010/main" val="3694474221"/>
+      </p:ext>
+    </p:extLst>
+  </p:cSld>
+  <p:clrMapOvr>
+    <a:masterClrMapping/>
+  </p:clrMapOvr>
+</p:sld>
+</file>
+
 <file path=ppt/slides/slide7.xml><?xml version="1.0" encoding="utf-8"?>
 <p:sld xmlns:a="http://schemas.openxmlformats.org/drawingml/2006/main" xmlns:r="http://schemas.openxmlformats.org/officeDocument/2006/relationships" xmlns:p="http://schemas.openxmlformats.org/presentationml/2006/main">
   <p:cSld>
@@ -12436,6 +13046,13 @@
   <p:clrMapOvr>
     <a:masterClrMapping/>
   </p:clrMapOvr>
+  <p:timing>
+    <p:tnLst>
+      <p:par>
+        <p:cTn id="1" dur="indefinite" restart="never" nodeType="tmRoot"/>
+      </p:par>
+    </p:tnLst>
+  </p:timing>
 </p:sld>
 </file>
 
@@ -13326,4 +13943,265 @@
   <a:objectDefaults/>
   <a:extraClrSchemeLst/>
 </a:theme>
+</file>
+
+<file path=ppt/theme/theme2.xml><?xml version="1.0" encoding="utf-8"?>
+<a:theme xmlns:a="http://schemas.openxmlformats.org/drawingml/2006/main" name="Office Theme">
+  <a:themeElements>
+    <a:clrScheme name="Office">
+      <a:dk1>
+        <a:sysClr val="windowText" lastClr="000000"/>
+      </a:dk1>
+      <a:lt1>
+        <a:sysClr val="window" lastClr="FFFFFF"/>
+      </a:lt1>
+      <a:dk2>
+        <a:srgbClr val="44546A"/>
+      </a:dk2>
+      <a:lt2>
+        <a:srgbClr val="E7E6E6"/>
+      </a:lt2>
+      <a:accent1>
+        <a:srgbClr val="5B9BD5"/>
+      </a:accent1>
+      <a:accent2>
+        <a:srgbClr val="ED7D31"/>
+      </a:accent2>
+      <a:accent3>
+        <a:srgbClr val="A5A5A5"/>
+      </a:accent3>
+      <a:accent4>
+        <a:srgbClr val="FFC000"/>
+      </a:accent4>
+      <a:accent5>
+        <a:srgbClr val="4472C4"/>
+      </a:accent5>
+      <a:accent6>
+        <a:srgbClr val="70AD47"/>
+      </a:accent6>
+      <a:hlink>
+        <a:srgbClr val="0563C1"/>
+      </a:hlink>
+      <a:folHlink>
+        <a:srgbClr val="954F72"/>
+      </a:folHlink>
+    </a:clrScheme>
+    <a:fontScheme name="Office">
+      <a:majorFont>
+        <a:latin typeface="Calibri Light" panose="020F0302020204030204"/>
+        <a:ea typeface=""/>
+        <a:cs typeface=""/>
+        <a:font script="Jpan" typeface="ＭＳ Ｐゴシック"/>
+        <a:font script="Hang" typeface="맑은 고딕"/>
+        <a:font script="Hans" typeface="宋体"/>
+        <a:font script="Hant" typeface="新細明體"/>
+        <a:font script="Arab" typeface="Times New Roman"/>
+        <a:font script="Hebr" typeface="Times New Roman"/>
+        <a:font script="Thai" typeface="Angsana New"/>
+        <a:font script="Ethi" typeface="Nyala"/>
+        <a:font script="Beng" typeface="Vrinda"/>
+        <a:font script="Gujr" typeface="Shruti"/>
+        <a:font script="Khmr" typeface="MoolBoran"/>
+        <a:font script="Knda" typeface="Tunga"/>
+        <a:font script="Guru" typeface="Raavi"/>
+        <a:font script="Cans" typeface="Euphemia"/>
+        <a:font script="Cher" typeface="Plantagenet Cherokee"/>
+        <a:font script="Yiii" typeface="Microsoft Yi Baiti"/>
+        <a:font script="Tibt" typeface="Microsoft Himalaya"/>
+        <a:font script="Thaa" typeface="MV Boli"/>
+        <a:font script="Deva" typeface="Mangal"/>
+        <a:font script="Telu" typeface="Gautami"/>
+        <a:font script="Taml" typeface="Latha"/>
+        <a:font script="Syrc" typeface="Estrangelo Edessa"/>
+        <a:font script="Orya" typeface="Kalinga"/>
+        <a:font script="Mlym" typeface="Kartika"/>
+        <a:font script="Laoo" typeface="DokChampa"/>
+        <a:font script="Sinh" typeface="Iskoola Pota"/>
+        <a:font script="Mong" typeface="Mongolian Baiti"/>
+        <a:font script="Viet" typeface="Times New Roman"/>
+        <a:font script="Uigh" typeface="Microsoft Uighur"/>
+        <a:font script="Geor" typeface="Sylfaen"/>
+      </a:majorFont>
+      <a:minorFont>
+        <a:latin typeface="Calibri" panose="020F0502020204030204"/>
+        <a:ea typeface=""/>
+        <a:cs typeface=""/>
+        <a:font script="Jpan" typeface="ＭＳ Ｐゴシック"/>
+        <a:font script="Hang" typeface="맑은 고딕"/>
+        <a:font script="Hans" typeface="宋体"/>
+        <a:font script="Hant" typeface="新細明體"/>
+        <a:font script="Arab" typeface="Arial"/>
+        <a:font script="Hebr" typeface="Arial"/>
+        <a:font script="Thai" typeface="Cordia New"/>
+        <a:font script="Ethi" typeface="Nyala"/>
+        <a:font script="Beng" typeface="Vrinda"/>
+        <a:font script="Gujr" typeface="Shruti"/>
+        <a:font script="Khmr" typeface="DaunPenh"/>
+        <a:font script="Knda" typeface="Tunga"/>
+        <a:font script="Guru" typeface="Raavi"/>
+        <a:font script="Cans" typeface="Euphemia"/>
+        <a:font script="Cher" typeface="Plantagenet Cherokee"/>
+        <a:font script="Yiii" typeface="Microsoft Yi Baiti"/>
+        <a:font script="Tibt" typeface="Microsoft Himalaya"/>
+        <a:font script="Thaa" typeface="MV Boli"/>
+        <a:font script="Deva" typeface="Mangal"/>
+        <a:font script="Telu" typeface="Gautami"/>
+        <a:font script="Taml" typeface="Latha"/>
+        <a:font script="Syrc" typeface="Estrangelo Edessa"/>
+        <a:font script="Orya" typeface="Kalinga"/>
+        <a:font script="Mlym" typeface="Kartika"/>
+        <a:font script="Laoo" typeface="DokChampa"/>
+        <a:font script="Sinh" typeface="Iskoola Pota"/>
+        <a:font script="Mong" typeface="Mongolian Baiti"/>
+        <a:font script="Viet" typeface="Arial"/>
+        <a:font script="Uigh" typeface="Microsoft Uighur"/>
+        <a:font script="Geor" typeface="Sylfaen"/>
+      </a:minorFont>
+    </a:fontScheme>
+    <a:fmtScheme name="Office">
+      <a:fillStyleLst>
+        <a:solidFill>
+          <a:schemeClr val="phClr"/>
+        </a:solidFill>
+        <a:gradFill rotWithShape="1">
+          <a:gsLst>
+            <a:gs pos="0">
+              <a:schemeClr val="phClr">
+                <a:lumMod val="110000"/>
+                <a:satMod val="105000"/>
+                <a:tint val="67000"/>
+              </a:schemeClr>
+            </a:gs>
+            <a:gs pos="50000">
+              <a:schemeClr val="phClr">
+                <a:lumMod val="105000"/>
+                <a:satMod val="103000"/>
+                <a:tint val="73000"/>
+              </a:schemeClr>
+            </a:gs>
+            <a:gs pos="100000">
+              <a:schemeClr val="phClr">
+                <a:lumMod val="105000"/>
+                <a:satMod val="109000"/>
+                <a:tint val="81000"/>
+              </a:schemeClr>
+            </a:gs>
+          </a:gsLst>
+          <a:lin ang="5400000" scaled="0"/>
+        </a:gradFill>
+        <a:gradFill rotWithShape="1">
+          <a:gsLst>
+            <a:gs pos="0">
+              <a:schemeClr val="phClr">
+                <a:satMod val="103000"/>
+                <a:lumMod val="102000"/>
+                <a:tint val="94000"/>
+              </a:schemeClr>
+            </a:gs>
+            <a:gs pos="50000">
+              <a:schemeClr val="phClr">
+                <a:satMod val="110000"/>
+                <a:lumMod val="100000"/>
+                <a:shade val="100000"/>
+              </a:schemeClr>
+            </a:gs>
+            <a:gs pos="100000">
+              <a:schemeClr val="phClr">
+                <a:lumMod val="99000"/>
+                <a:satMod val="120000"/>
+                <a:shade val="78000"/>
+              </a:schemeClr>
+            </a:gs>
+          </a:gsLst>
+          <a:lin ang="5400000" scaled="0"/>
+        </a:gradFill>
+      </a:fillStyleLst>
+      <a:lnStyleLst>
+        <a:ln w="6350" cap="flat" cmpd="sng" algn="ctr">
+          <a:solidFill>
+            <a:schemeClr val="phClr"/>
+          </a:solidFill>
+          <a:prstDash val="solid"/>
+          <a:miter lim="800000"/>
+        </a:ln>
+        <a:ln w="12700" cap="flat" cmpd="sng" algn="ctr">
+          <a:solidFill>
+            <a:schemeClr val="phClr"/>
+          </a:solidFill>
+          <a:prstDash val="solid"/>
+          <a:miter lim="800000"/>
+        </a:ln>
+        <a:ln w="19050" cap="flat" cmpd="sng" algn="ctr">
+          <a:solidFill>
+            <a:schemeClr val="phClr"/>
+          </a:solidFill>
+          <a:prstDash val="solid"/>
+          <a:miter lim="800000"/>
+        </a:ln>
+      </a:lnStyleLst>
+      <a:effectStyleLst>
+        <a:effectStyle>
+          <a:effectLst/>
+        </a:effectStyle>
+        <a:effectStyle>
+          <a:effectLst/>
+        </a:effectStyle>
+        <a:effectStyle>
+          <a:effectLst>
+            <a:outerShdw blurRad="57150" dist="19050" dir="5400000" algn="ctr" rotWithShape="0">
+              <a:srgbClr val="000000">
+                <a:alpha val="63000"/>
+              </a:srgbClr>
+            </a:outerShdw>
+          </a:effectLst>
+        </a:effectStyle>
+      </a:effectStyleLst>
+      <a:bgFillStyleLst>
+        <a:solidFill>
+          <a:schemeClr val="phClr"/>
+        </a:solidFill>
+        <a:solidFill>
+          <a:schemeClr val="phClr">
+            <a:tint val="95000"/>
+            <a:satMod val="170000"/>
+          </a:schemeClr>
+        </a:solidFill>
+        <a:gradFill rotWithShape="1">
+          <a:gsLst>
+            <a:gs pos="0">
+              <a:schemeClr val="phClr">
+                <a:tint val="93000"/>
+                <a:satMod val="150000"/>
+                <a:shade val="98000"/>
+                <a:lumMod val="102000"/>
+              </a:schemeClr>
+            </a:gs>
+            <a:gs pos="50000">
+              <a:schemeClr val="phClr">
+                <a:tint val="98000"/>
+                <a:satMod val="130000"/>
+                <a:shade val="90000"/>
+                <a:lumMod val="103000"/>
+              </a:schemeClr>
+            </a:gs>
+            <a:gs pos="100000">
+              <a:schemeClr val="phClr">
+                <a:shade val="63000"/>
+                <a:satMod val="120000"/>
+              </a:schemeClr>
+            </a:gs>
+          </a:gsLst>
+          <a:lin ang="5400000" scaled="0"/>
+        </a:gradFill>
+      </a:bgFillStyleLst>
+    </a:fmtScheme>
+  </a:themeElements>
+  <a:objectDefaults/>
+  <a:extraClrSchemeLst/>
+  <a:extLst>
+    <a:ext uri="{05A4C25C-085E-4340-85A3-A5531E510DB2}">
+      <thm15:themeFamily xmlns:thm15="http://schemas.microsoft.com/office/thememl/2012/main" name="Office Theme" id="{62F939B6-93AF-4DB8-9C6B-D6C7DFDC589F}" vid="{4A3C46E8-61CC-4603-A589-7422A47A8E4A}"/>
+    </a:ext>
+  </a:extLst>
+</a:theme>
 </file>
--- a/network.pptx
+++ b/network.pptx
@@ -5,7 +5,7 @@
     <p:sldMasterId id="2147483696" r:id="rId1"/>
   </p:sldMasterIdLst>
   <p:notesMasterIdLst>
-    <p:notesMasterId r:id="rId70"/>
+    <p:notesMasterId r:id="rId71"/>
   </p:notesMasterIdLst>
   <p:sldIdLst>
     <p:sldId id="256" r:id="rId2"/>
@@ -29,53 +29,54 @@
     <p:sldId id="326" r:id="rId20"/>
     <p:sldId id="327" r:id="rId21"/>
     <p:sldId id="328" r:id="rId22"/>
-    <p:sldId id="361" r:id="rId23"/>
-    <p:sldId id="332" r:id="rId24"/>
-    <p:sldId id="329" r:id="rId25"/>
-    <p:sldId id="331" r:id="rId26"/>
-    <p:sldId id="351" r:id="rId27"/>
-    <p:sldId id="339" r:id="rId28"/>
-    <p:sldId id="340" r:id="rId29"/>
-    <p:sldId id="293" r:id="rId30"/>
-    <p:sldId id="352" r:id="rId31"/>
-    <p:sldId id="337" r:id="rId32"/>
-    <p:sldId id="291" r:id="rId33"/>
-    <p:sldId id="301" r:id="rId34"/>
-    <p:sldId id="298" r:id="rId35"/>
-    <p:sldId id="263" r:id="rId36"/>
-    <p:sldId id="264" r:id="rId37"/>
-    <p:sldId id="334" r:id="rId38"/>
-    <p:sldId id="335" r:id="rId39"/>
-    <p:sldId id="336" r:id="rId40"/>
-    <p:sldId id="333" r:id="rId41"/>
-    <p:sldId id="341" r:id="rId42"/>
-    <p:sldId id="265" r:id="rId43"/>
-    <p:sldId id="258" r:id="rId44"/>
-    <p:sldId id="305" r:id="rId45"/>
-    <p:sldId id="353" r:id="rId46"/>
-    <p:sldId id="342" r:id="rId47"/>
-    <p:sldId id="343" r:id="rId48"/>
-    <p:sldId id="344" r:id="rId49"/>
-    <p:sldId id="345" r:id="rId50"/>
-    <p:sldId id="346" r:id="rId51"/>
-    <p:sldId id="347" r:id="rId52"/>
-    <p:sldId id="348" r:id="rId53"/>
-    <p:sldId id="349" r:id="rId54"/>
-    <p:sldId id="350" r:id="rId55"/>
-    <p:sldId id="360" r:id="rId56"/>
-    <p:sldId id="362" r:id="rId57"/>
-    <p:sldId id="363" r:id="rId58"/>
-    <p:sldId id="364" r:id="rId59"/>
-    <p:sldId id="365" r:id="rId60"/>
-    <p:sldId id="373" r:id="rId61"/>
-    <p:sldId id="374" r:id="rId62"/>
-    <p:sldId id="375" r:id="rId63"/>
-    <p:sldId id="376" r:id="rId64"/>
-    <p:sldId id="377" r:id="rId65"/>
-    <p:sldId id="378" r:id="rId66"/>
-    <p:sldId id="379" r:id="rId67"/>
-    <p:sldId id="380" r:id="rId68"/>
-    <p:sldId id="381" r:id="rId69"/>
+    <p:sldId id="383" r:id="rId23"/>
+    <p:sldId id="361" r:id="rId24"/>
+    <p:sldId id="332" r:id="rId25"/>
+    <p:sldId id="329" r:id="rId26"/>
+    <p:sldId id="331" r:id="rId27"/>
+    <p:sldId id="351" r:id="rId28"/>
+    <p:sldId id="339" r:id="rId29"/>
+    <p:sldId id="340" r:id="rId30"/>
+    <p:sldId id="293" r:id="rId31"/>
+    <p:sldId id="352" r:id="rId32"/>
+    <p:sldId id="337" r:id="rId33"/>
+    <p:sldId id="291" r:id="rId34"/>
+    <p:sldId id="301" r:id="rId35"/>
+    <p:sldId id="298" r:id="rId36"/>
+    <p:sldId id="263" r:id="rId37"/>
+    <p:sldId id="264" r:id="rId38"/>
+    <p:sldId id="334" r:id="rId39"/>
+    <p:sldId id="335" r:id="rId40"/>
+    <p:sldId id="336" r:id="rId41"/>
+    <p:sldId id="333" r:id="rId42"/>
+    <p:sldId id="341" r:id="rId43"/>
+    <p:sldId id="265" r:id="rId44"/>
+    <p:sldId id="258" r:id="rId45"/>
+    <p:sldId id="305" r:id="rId46"/>
+    <p:sldId id="353" r:id="rId47"/>
+    <p:sldId id="342" r:id="rId48"/>
+    <p:sldId id="343" r:id="rId49"/>
+    <p:sldId id="344" r:id="rId50"/>
+    <p:sldId id="345" r:id="rId51"/>
+    <p:sldId id="346" r:id="rId52"/>
+    <p:sldId id="347" r:id="rId53"/>
+    <p:sldId id="348" r:id="rId54"/>
+    <p:sldId id="349" r:id="rId55"/>
+    <p:sldId id="350" r:id="rId56"/>
+    <p:sldId id="360" r:id="rId57"/>
+    <p:sldId id="362" r:id="rId58"/>
+    <p:sldId id="363" r:id="rId59"/>
+    <p:sldId id="364" r:id="rId60"/>
+    <p:sldId id="365" r:id="rId61"/>
+    <p:sldId id="373" r:id="rId62"/>
+    <p:sldId id="374" r:id="rId63"/>
+    <p:sldId id="375" r:id="rId64"/>
+    <p:sldId id="376" r:id="rId65"/>
+    <p:sldId id="377" r:id="rId66"/>
+    <p:sldId id="378" r:id="rId67"/>
+    <p:sldId id="379" r:id="rId68"/>
+    <p:sldId id="380" r:id="rId69"/>
+    <p:sldId id="381" r:id="rId70"/>
   </p:sldIdLst>
   <p:sldSz cx="9144000" cy="6858000" type="screen4x3"/>
   <p:notesSz cx="6858000" cy="9144000"/>
@@ -275,7 +276,7 @@
           <a:p>
             <a:fld id="{8B67F6F2-F2BF-4279-B75D-5DD895632DA6}" type="datetimeFigureOut">
               <a:rPr lang="en-US" smtClean="0"/>
-              <a:t>10/15/2015</a:t>
+              <a:t>11/4/2015</a:t>
             </a:fld>
             <a:endParaRPr lang="en-US"/>
           </a:p>
@@ -608,7 +609,7 @@
           <a:p>
             <a:fld id="{208F8197-1942-4007-9D6E-95AABA4E98BC}" type="slidenum">
               <a:rPr lang="en-US" smtClean="0"/>
-              <a:t>31</a:t>
+              <a:t>32</a:t>
             </a:fld>
             <a:endParaRPr lang="en-US"/>
           </a:p>
@@ -813,7 +814,7 @@
           <a:p>
             <a:fld id="{E6408D5C-5A68-41E6-8513-A7080AEAD91C}" type="datetimeFigureOut">
               <a:rPr lang="en-US" smtClean="0"/>
-              <a:t>10/15/2015</a:t>
+              <a:t>11/4/2015</a:t>
             </a:fld>
             <a:endParaRPr lang="en-US"/>
           </a:p>
@@ -990,7 +991,7 @@
           <a:p>
             <a:fld id="{E6408D5C-5A68-41E6-8513-A7080AEAD91C}" type="datetimeFigureOut">
               <a:rPr lang="en-US" smtClean="0"/>
-              <a:t>10/15/2015</a:t>
+              <a:t>11/4/2015</a:t>
             </a:fld>
             <a:endParaRPr lang="en-US"/>
           </a:p>
@@ -1170,7 +1171,7 @@
           <a:p>
             <a:fld id="{E6408D5C-5A68-41E6-8513-A7080AEAD91C}" type="datetimeFigureOut">
               <a:rPr lang="en-US" smtClean="0"/>
-              <a:t>10/15/2015</a:t>
+              <a:t>11/4/2015</a:t>
             </a:fld>
             <a:endParaRPr lang="en-US"/>
           </a:p>
@@ -1345,7 +1346,7 @@
           <a:p>
             <a:fld id="{E6408D5C-5A68-41E6-8513-A7080AEAD91C}" type="datetimeFigureOut">
               <a:rPr lang="en-US" smtClean="0"/>
-              <a:t>10/15/2015</a:t>
+              <a:t>11/4/2015</a:t>
             </a:fld>
             <a:endParaRPr lang="en-US"/>
           </a:p>
@@ -1598,7 +1599,7 @@
           <a:p>
             <a:fld id="{E6408D5C-5A68-41E6-8513-A7080AEAD91C}" type="datetimeFigureOut">
               <a:rPr lang="en-US" smtClean="0"/>
-              <a:t>10/15/2015</a:t>
+              <a:t>11/4/2015</a:t>
             </a:fld>
             <a:endParaRPr lang="en-US"/>
           </a:p>
@@ -1886,7 +1887,7 @@
           <a:p>
             <a:fld id="{E6408D5C-5A68-41E6-8513-A7080AEAD91C}" type="datetimeFigureOut">
               <a:rPr lang="en-US" smtClean="0"/>
-              <a:t>10/15/2015</a:t>
+              <a:t>11/4/2015</a:t>
             </a:fld>
             <a:endParaRPr lang="en-US"/>
           </a:p>
@@ -2308,7 +2309,7 @@
           <a:p>
             <a:fld id="{E6408D5C-5A68-41E6-8513-A7080AEAD91C}" type="datetimeFigureOut">
               <a:rPr lang="en-US" smtClean="0"/>
-              <a:t>10/15/2015</a:t>
+              <a:t>11/4/2015</a:t>
             </a:fld>
             <a:endParaRPr lang="en-US"/>
           </a:p>
@@ -2426,7 +2427,7 @@
           <a:p>
             <a:fld id="{E6408D5C-5A68-41E6-8513-A7080AEAD91C}" type="datetimeFigureOut">
               <a:rPr lang="en-US" smtClean="0"/>
-              <a:t>10/15/2015</a:t>
+              <a:t>11/4/2015</a:t>
             </a:fld>
             <a:endParaRPr lang="en-US"/>
           </a:p>
@@ -2521,7 +2522,7 @@
           <a:p>
             <a:fld id="{E6408D5C-5A68-41E6-8513-A7080AEAD91C}" type="datetimeFigureOut">
               <a:rPr lang="en-US" smtClean="0"/>
-              <a:t>10/15/2015</a:t>
+              <a:t>11/4/2015</a:t>
             </a:fld>
             <a:endParaRPr lang="en-US"/>
           </a:p>
@@ -2798,7 +2799,7 @@
           <a:p>
             <a:fld id="{E6408D5C-5A68-41E6-8513-A7080AEAD91C}" type="datetimeFigureOut">
               <a:rPr lang="en-US" smtClean="0"/>
-              <a:t>10/15/2015</a:t>
+              <a:t>11/4/2015</a:t>
             </a:fld>
             <a:endParaRPr lang="en-US"/>
           </a:p>
@@ -3051,7 +3052,7 @@
           <a:p>
             <a:fld id="{E6408D5C-5A68-41E6-8513-A7080AEAD91C}" type="datetimeFigureOut">
               <a:rPr lang="en-US" smtClean="0"/>
-              <a:t>10/15/2015</a:t>
+              <a:t>11/4/2015</a:t>
             </a:fld>
             <a:endParaRPr lang="en-US"/>
           </a:p>
@@ -3264,7 +3265,7 @@
           <a:p>
             <a:fld id="{E6408D5C-5A68-41E6-8513-A7080AEAD91C}" type="datetimeFigureOut">
               <a:rPr lang="en-US" smtClean="0"/>
-              <a:t>10/15/2015</a:t>
+              <a:t>11/4/2015</a:t>
             </a:fld>
             <a:endParaRPr lang="en-US"/>
           </a:p>
@@ -6421,6 +6422,84 @@
           </a:p>
         </p:txBody>
       </p:sp>
+      <p:pic>
+        <p:nvPicPr>
+          <p:cNvPr id="4" name="Content Placeholder 3"/>
+          <p:cNvPicPr>
+            <a:picLocks noGrp="1" noChangeAspect="1"/>
+          </p:cNvPicPr>
+          <p:nvPr>
+            <p:ph idx="1"/>
+          </p:nvPr>
+        </p:nvPicPr>
+        <p:blipFill>
+          <a:blip r:embed="rId2">
+            <a:extLst>
+              <a:ext uri="{28A0092B-C50C-407E-A947-70E740481C1C}">
+                <a14:useLocalDpi xmlns:a14="http://schemas.microsoft.com/office/drawing/2010/main" val="0"/>
+              </a:ext>
+            </a:extLst>
+          </a:blip>
+          <a:stretch>
+            <a:fillRect/>
+          </a:stretch>
+        </p:blipFill>
+        <p:spPr>
+          <a:xfrm>
+            <a:off x="380999" y="1524000"/>
+            <a:ext cx="8425667" cy="2819400"/>
+          </a:xfrm>
+        </p:spPr>
+      </p:pic>
+    </p:spTree>
+    <p:extLst>
+      <p:ext uri="{BB962C8B-B14F-4D97-AF65-F5344CB8AC3E}">
+        <p14:creationId xmlns:p14="http://schemas.microsoft.com/office/powerpoint/2010/main" val="2826393571"/>
+      </p:ext>
+    </p:extLst>
+  </p:cSld>
+  <p:clrMapOvr>
+    <a:masterClrMapping/>
+  </p:clrMapOvr>
+</p:sld>
+</file>
+
+<file path=ppt/slides/slide23.xml><?xml version="1.0" encoding="utf-8"?>
+<p:sld xmlns:a="http://schemas.openxmlformats.org/drawingml/2006/main" xmlns:r="http://schemas.openxmlformats.org/officeDocument/2006/relationships" xmlns:p="http://schemas.openxmlformats.org/presentationml/2006/main">
+  <p:cSld>
+    <p:spTree>
+      <p:nvGrpSpPr>
+        <p:cNvPr id="1" name=""/>
+        <p:cNvGrpSpPr/>
+        <p:nvPr/>
+      </p:nvGrpSpPr>
+      <p:grpSpPr>
+        <a:xfrm>
+          <a:off x="0" y="0"/>
+          <a:ext cx="0" cy="0"/>
+          <a:chOff x="0" y="0"/>
+          <a:chExt cx="0" cy="0"/>
+        </a:xfrm>
+      </p:grpSpPr>
+      <p:sp>
+        <p:nvSpPr>
+          <p:cNvPr id="2" name="Title 1"/>
+          <p:cNvSpPr>
+            <a:spLocks noGrp="1"/>
+          </p:cNvSpPr>
+          <p:nvPr>
+            <p:ph type="title"/>
+          </p:nvPr>
+        </p:nvSpPr>
+        <p:spPr/>
+        <p:txBody>
+          <a:bodyPr/>
+          <a:lstStyle/>
+          <a:p>
+            <a:endParaRPr lang="en-US"/>
+          </a:p>
+        </p:txBody>
+      </p:sp>
       <p:sp>
         <p:nvSpPr>
           <p:cNvPr id="3" name="Content Placeholder 2"/>
@@ -6501,7 +6580,7 @@
 </p:sld>
 </file>
 
-<file path=ppt/slides/slide23.xml><?xml version="1.0" encoding="utf-8"?>
+<file path=ppt/slides/slide24.xml><?xml version="1.0" encoding="utf-8"?>
 <p:sld xmlns:a="http://schemas.openxmlformats.org/drawingml/2006/main" xmlns:r="http://schemas.openxmlformats.org/officeDocument/2006/relationships" xmlns:p="http://schemas.openxmlformats.org/presentationml/2006/main">
   <p:cSld>
     <p:spTree>
@@ -6603,7 +6682,7 @@
 </p:sld>
 </file>
 
-<file path=ppt/slides/slide24.xml><?xml version="1.0" encoding="utf-8"?>
+<file path=ppt/slides/slide25.xml><?xml version="1.0" encoding="utf-8"?>
 <p:sld xmlns:a="http://schemas.openxmlformats.org/drawingml/2006/main" xmlns:r="http://schemas.openxmlformats.org/officeDocument/2006/relationships" xmlns:p="http://schemas.openxmlformats.org/presentationml/2006/main">
   <p:cSld>
     <p:spTree>
@@ -6767,7 +6846,7 @@
 </p:sld>
 </file>
 
-<file path=ppt/slides/slide25.xml><?xml version="1.0" encoding="utf-8"?>
+<file path=ppt/slides/slide26.xml><?xml version="1.0" encoding="utf-8"?>
 <p:sld xmlns:a="http://schemas.openxmlformats.org/drawingml/2006/main" xmlns:r="http://schemas.openxmlformats.org/officeDocument/2006/relationships" xmlns:p="http://schemas.openxmlformats.org/presentationml/2006/main">
   <p:cSld>
     <p:spTree>
@@ -6946,7 +7025,7 @@
 </p:sld>
 </file>
 
-<file path=ppt/slides/slide26.xml><?xml version="1.0" encoding="utf-8"?>
+<file path=ppt/slides/slide27.xml><?xml version="1.0" encoding="utf-8"?>
 <p:sld xmlns:a="http://schemas.openxmlformats.org/drawingml/2006/main" xmlns:r="http://schemas.openxmlformats.org/officeDocument/2006/relationships" xmlns:p="http://schemas.openxmlformats.org/presentationml/2006/main">
   <p:cSld>
     <p:spTree>
@@ -7073,7 +7152,7 @@
 </p:sld>
 </file>
 
-<file path=ppt/slides/slide27.xml><?xml version="1.0" encoding="utf-8"?>
+<file path=ppt/slides/slide28.xml><?xml version="1.0" encoding="utf-8"?>
 <p:sld xmlns:a="http://schemas.openxmlformats.org/drawingml/2006/main" xmlns:r="http://schemas.openxmlformats.org/officeDocument/2006/relationships" xmlns:p="http://schemas.openxmlformats.org/presentationml/2006/main">
   <p:cSld>
     <p:spTree>
@@ -7253,7 +7332,7 @@
 </p:sld>
 </file>
 
-<file path=ppt/slides/slide28.xml><?xml version="1.0" encoding="utf-8"?>
+<file path=ppt/slides/slide29.xml><?xml version="1.0" encoding="utf-8"?>
 <p:sld xmlns:a="http://schemas.openxmlformats.org/drawingml/2006/main" xmlns:r="http://schemas.openxmlformats.org/officeDocument/2006/relationships" xmlns:p="http://schemas.openxmlformats.org/presentationml/2006/main">
   <p:cSld>
     <p:spTree>
@@ -7369,7 +7448,96 @@
 </p:sld>
 </file>
 
-<file path=ppt/slides/slide29.xml><?xml version="1.0" encoding="utf-8"?>
+<file path=ppt/slides/slide3.xml><?xml version="1.0" encoding="utf-8"?>
+<p:sld xmlns:a="http://schemas.openxmlformats.org/drawingml/2006/main" xmlns:r="http://schemas.openxmlformats.org/officeDocument/2006/relationships" xmlns:p="http://schemas.openxmlformats.org/presentationml/2006/main">
+  <p:cSld>
+    <p:spTree>
+      <p:nvGrpSpPr>
+        <p:cNvPr id="1" name=""/>
+        <p:cNvGrpSpPr/>
+        <p:nvPr/>
+      </p:nvGrpSpPr>
+      <p:grpSpPr>
+        <a:xfrm>
+          <a:off x="0" y="0"/>
+          <a:ext cx="0" cy="0"/>
+          <a:chOff x="0" y="0"/>
+          <a:chExt cx="0" cy="0"/>
+        </a:xfrm>
+      </p:grpSpPr>
+      <p:sp>
+        <p:nvSpPr>
+          <p:cNvPr id="2" name="Title 1"/>
+          <p:cNvSpPr>
+            <a:spLocks noGrp="1"/>
+          </p:cNvSpPr>
+          <p:nvPr>
+            <p:ph type="title"/>
+          </p:nvPr>
+        </p:nvSpPr>
+        <p:spPr/>
+        <p:txBody>
+          <a:bodyPr/>
+          <a:lstStyle/>
+          <a:p>
+            <a:r>
+              <a:rPr lang="en-US" dirty="0" smtClean="0"/>
+              <a:t>Alexa</a:t>
+            </a:r>
+            <a:endParaRPr lang="en-US" dirty="0"/>
+          </a:p>
+        </p:txBody>
+      </p:sp>
+      <p:sp>
+        <p:nvSpPr>
+          <p:cNvPr id="3" name="Content Placeholder 2"/>
+          <p:cNvSpPr>
+            <a:spLocks noGrp="1"/>
+          </p:cNvSpPr>
+          <p:nvPr>
+            <p:ph idx="1"/>
+          </p:nvPr>
+        </p:nvSpPr>
+        <p:spPr/>
+        <p:txBody>
+          <a:bodyPr/>
+          <a:lstStyle/>
+          <a:p>
+            <a:pPr marL="0" indent="0">
+              <a:buNone/>
+            </a:pPr>
+            <a:r>
+              <a:rPr lang="en-US" dirty="0" smtClean="0"/>
+              <a:t>	http</a:t>
+            </a:r>
+            <a:r>
+              <a:rPr lang="en-US" dirty="0"/>
+              <a:t>://www.alexa.com/topsites</a:t>
+            </a:r>
+          </a:p>
+        </p:txBody>
+      </p:sp>
+    </p:spTree>
+    <p:extLst>
+      <p:ext uri="{BB962C8B-B14F-4D97-AF65-F5344CB8AC3E}">
+        <p14:creationId xmlns:p14="http://schemas.microsoft.com/office/powerpoint/2010/main" val="2967610114"/>
+      </p:ext>
+    </p:extLst>
+  </p:cSld>
+  <p:clrMapOvr>
+    <a:masterClrMapping/>
+  </p:clrMapOvr>
+  <p:timing>
+    <p:tnLst>
+      <p:par>
+        <p:cTn id="1" dur="indefinite" restart="never" nodeType="tmRoot"/>
+      </p:par>
+    </p:tnLst>
+  </p:timing>
+</p:sld>
+</file>
+
+<file path=ppt/slides/slide30.xml><?xml version="1.0" encoding="utf-8"?>
 <p:sld xmlns:a="http://schemas.openxmlformats.org/drawingml/2006/main" xmlns:r="http://schemas.openxmlformats.org/officeDocument/2006/relationships" xmlns:p="http://schemas.openxmlformats.org/presentationml/2006/main">
   <p:cSld>
     <p:spTree>
@@ -7471,96 +7639,7 @@
 </p:sld>
 </file>
 
-<file path=ppt/slides/slide3.xml><?xml version="1.0" encoding="utf-8"?>
-<p:sld xmlns:a="http://schemas.openxmlformats.org/drawingml/2006/main" xmlns:r="http://schemas.openxmlformats.org/officeDocument/2006/relationships" xmlns:p="http://schemas.openxmlformats.org/presentationml/2006/main">
-  <p:cSld>
-    <p:spTree>
-      <p:nvGrpSpPr>
-        <p:cNvPr id="1" name=""/>
-        <p:cNvGrpSpPr/>
-        <p:nvPr/>
-      </p:nvGrpSpPr>
-      <p:grpSpPr>
-        <a:xfrm>
-          <a:off x="0" y="0"/>
-          <a:ext cx="0" cy="0"/>
-          <a:chOff x="0" y="0"/>
-          <a:chExt cx="0" cy="0"/>
-        </a:xfrm>
-      </p:grpSpPr>
-      <p:sp>
-        <p:nvSpPr>
-          <p:cNvPr id="2" name="Title 1"/>
-          <p:cNvSpPr>
-            <a:spLocks noGrp="1"/>
-          </p:cNvSpPr>
-          <p:nvPr>
-            <p:ph type="title"/>
-          </p:nvPr>
-        </p:nvSpPr>
-        <p:spPr/>
-        <p:txBody>
-          <a:bodyPr/>
-          <a:lstStyle/>
-          <a:p>
-            <a:r>
-              <a:rPr lang="en-US" dirty="0" smtClean="0"/>
-              <a:t>Alexa</a:t>
-            </a:r>
-            <a:endParaRPr lang="en-US" dirty="0"/>
-          </a:p>
-        </p:txBody>
-      </p:sp>
-      <p:sp>
-        <p:nvSpPr>
-          <p:cNvPr id="3" name="Content Placeholder 2"/>
-          <p:cNvSpPr>
-            <a:spLocks noGrp="1"/>
-          </p:cNvSpPr>
-          <p:nvPr>
-            <p:ph idx="1"/>
-          </p:nvPr>
-        </p:nvSpPr>
-        <p:spPr/>
-        <p:txBody>
-          <a:bodyPr/>
-          <a:lstStyle/>
-          <a:p>
-            <a:pPr marL="0" indent="0">
-              <a:buNone/>
-            </a:pPr>
-            <a:r>
-              <a:rPr lang="en-US" dirty="0" smtClean="0"/>
-              <a:t>	http</a:t>
-            </a:r>
-            <a:r>
-              <a:rPr lang="en-US" dirty="0"/>
-              <a:t>://www.alexa.com/topsites</a:t>
-            </a:r>
-          </a:p>
-        </p:txBody>
-      </p:sp>
-    </p:spTree>
-    <p:extLst>
-      <p:ext uri="{BB962C8B-B14F-4D97-AF65-F5344CB8AC3E}">
-        <p14:creationId xmlns:p14="http://schemas.microsoft.com/office/powerpoint/2010/main" val="2967610114"/>
-      </p:ext>
-    </p:extLst>
-  </p:cSld>
-  <p:clrMapOvr>
-    <a:masterClrMapping/>
-  </p:clrMapOvr>
-  <p:timing>
-    <p:tnLst>
-      <p:par>
-        <p:cTn id="1" dur="indefinite" restart="never" nodeType="tmRoot"/>
-      </p:par>
-    </p:tnLst>
-  </p:timing>
-</p:sld>
-</file>
-
-<file path=ppt/slides/slide30.xml><?xml version="1.0" encoding="utf-8"?>
+<file path=ppt/slides/slide31.xml><?xml version="1.0" encoding="utf-8"?>
 <p:sld xmlns:a="http://schemas.openxmlformats.org/drawingml/2006/main" xmlns:r="http://schemas.openxmlformats.org/officeDocument/2006/relationships" xmlns:p="http://schemas.openxmlformats.org/presentationml/2006/main">
   <p:cSld>
     <p:spTree>
@@ -7658,7 +7737,7 @@
 </p:sld>
 </file>
 
-<file path=ppt/slides/slide31.xml><?xml version="1.0" encoding="utf-8"?>
+<file path=ppt/slides/slide32.xml><?xml version="1.0" encoding="utf-8"?>
 <p:sld xmlns:a="http://schemas.openxmlformats.org/drawingml/2006/main" xmlns:r="http://schemas.openxmlformats.org/officeDocument/2006/relationships" xmlns:p="http://schemas.openxmlformats.org/presentationml/2006/main">
   <p:cSld>
     <p:spTree>
@@ -7820,7 +7899,7 @@
 </p:sld>
 </file>
 
-<file path=ppt/slides/slide32.xml><?xml version="1.0" encoding="utf-8"?>
+<file path=ppt/slides/slide33.xml><?xml version="1.0" encoding="utf-8"?>
 <p:sld xmlns:a="http://schemas.openxmlformats.org/drawingml/2006/main" xmlns:r="http://schemas.openxmlformats.org/officeDocument/2006/relationships" xmlns:p="http://schemas.openxmlformats.org/presentationml/2006/main">
   <p:cSld>
     <p:spTree>
@@ -8278,7 +8357,7 @@
 </p:sld>
 </file>
 
-<file path=ppt/slides/slide33.xml><?xml version="1.0" encoding="utf-8"?>
+<file path=ppt/slides/slide34.xml><?xml version="1.0" encoding="utf-8"?>
 <p:sld xmlns:a="http://schemas.openxmlformats.org/drawingml/2006/main" xmlns:r="http://schemas.openxmlformats.org/officeDocument/2006/relationships" xmlns:p="http://schemas.openxmlformats.org/presentationml/2006/main">
   <p:cSld>
     <p:spTree>
@@ -8412,7 +8491,7 @@
 </p:sld>
 </file>
 
-<file path=ppt/slides/slide34.xml><?xml version="1.0" encoding="utf-8"?>
+<file path=ppt/slides/slide35.xml><?xml version="1.0" encoding="utf-8"?>
 <p:sld xmlns:a="http://schemas.openxmlformats.org/drawingml/2006/main" xmlns:r="http://schemas.openxmlformats.org/officeDocument/2006/relationships" xmlns:p="http://schemas.openxmlformats.org/presentationml/2006/main">
   <p:cSld>
     <p:spTree>
@@ -8497,7 +8576,7 @@
 </p:sld>
 </file>
 
-<file path=ppt/slides/slide35.xml><?xml version="1.0" encoding="utf-8"?>
+<file path=ppt/slides/slide36.xml><?xml version="1.0" encoding="utf-8"?>
 <p:sld xmlns:a="http://schemas.openxmlformats.org/drawingml/2006/main" xmlns:r="http://schemas.openxmlformats.org/officeDocument/2006/relationships" xmlns:p="http://schemas.openxmlformats.org/presentationml/2006/main">
   <p:cSld>
     <p:spTree>
@@ -8613,7 +8692,7 @@
 </p:sld>
 </file>
 
-<file path=ppt/slides/slide36.xml><?xml version="1.0" encoding="utf-8"?>
+<file path=ppt/slides/slide37.xml><?xml version="1.0" encoding="utf-8"?>
 <p:sld xmlns:a="http://schemas.openxmlformats.org/drawingml/2006/main" xmlns:r="http://schemas.openxmlformats.org/officeDocument/2006/relationships" xmlns:p="http://schemas.openxmlformats.org/presentationml/2006/main">
   <p:cSld>
     <p:spTree>
@@ -8737,7 +8816,7 @@
 </p:sld>
 </file>
 
-<file path=ppt/slides/slide37.xml><?xml version="1.0" encoding="utf-8"?>
+<file path=ppt/slides/slide38.xml><?xml version="1.0" encoding="utf-8"?>
 <p:sld xmlns:a="http://schemas.openxmlformats.org/drawingml/2006/main" xmlns:r="http://schemas.openxmlformats.org/officeDocument/2006/relationships" xmlns:p="http://schemas.openxmlformats.org/presentationml/2006/main">
   <p:cSld>
     <p:spTree>
@@ -8863,7 +8942,7 @@
 </p:sld>
 </file>
 
-<file path=ppt/slides/slide38.xml><?xml version="1.0" encoding="utf-8"?>
+<file path=ppt/slides/slide39.xml><?xml version="1.0" encoding="utf-8"?>
 <p:sld xmlns:a="http://schemas.openxmlformats.org/drawingml/2006/main" xmlns:r="http://schemas.openxmlformats.org/officeDocument/2006/relationships" xmlns:p="http://schemas.openxmlformats.org/presentationml/2006/main">
   <p:cSld>
     <p:spTree>
@@ -8976,7 +9055,155 @@
 </p:sld>
 </file>
 
-<file path=ppt/slides/slide39.xml><?xml version="1.0" encoding="utf-8"?>
+<file path=ppt/slides/slide4.xml><?xml version="1.0" encoding="utf-8"?>
+<p:sld xmlns:a="http://schemas.openxmlformats.org/drawingml/2006/main" xmlns:r="http://schemas.openxmlformats.org/officeDocument/2006/relationships" xmlns:p="http://schemas.openxmlformats.org/presentationml/2006/main">
+  <p:cSld>
+    <p:spTree>
+      <p:nvGrpSpPr>
+        <p:cNvPr id="1" name=""/>
+        <p:cNvGrpSpPr/>
+        <p:nvPr/>
+      </p:nvGrpSpPr>
+      <p:grpSpPr>
+        <a:xfrm>
+          <a:off x="0" y="0"/>
+          <a:ext cx="0" cy="0"/>
+          <a:chOff x="0" y="0"/>
+          <a:chExt cx="0" cy="0"/>
+        </a:xfrm>
+      </p:grpSpPr>
+      <p:sp>
+        <p:nvSpPr>
+          <p:cNvPr id="2" name="Title 1"/>
+          <p:cNvSpPr>
+            <a:spLocks noGrp="1"/>
+          </p:cNvSpPr>
+          <p:nvPr>
+            <p:ph type="title"/>
+          </p:nvPr>
+        </p:nvSpPr>
+        <p:spPr/>
+        <p:txBody>
+          <a:bodyPr/>
+          <a:lstStyle/>
+          <a:p>
+            <a:r>
+              <a:rPr lang="en-US" dirty="0" smtClean="0">
+                <a:latin typeface="+mn-lt"/>
+              </a:rPr>
+              <a:t>Experiment</a:t>
+            </a:r>
+            <a:endParaRPr lang="en-US" dirty="0">
+              <a:latin typeface="+mn-lt"/>
+            </a:endParaRPr>
+          </a:p>
+        </p:txBody>
+      </p:sp>
+      <p:sp>
+        <p:nvSpPr>
+          <p:cNvPr id="3" name="Content Placeholder 2"/>
+          <p:cNvSpPr>
+            <a:spLocks noGrp="1"/>
+          </p:cNvSpPr>
+          <p:nvPr>
+            <p:ph idx="1"/>
+          </p:nvPr>
+        </p:nvSpPr>
+        <p:spPr/>
+        <p:txBody>
+          <a:bodyPr/>
+          <a:lstStyle/>
+          <a:p>
+            <a:r>
+              <a:rPr lang="en-US" dirty="0" smtClean="0"/>
+              <a:t>Top 1M Alexa sites</a:t>
+            </a:r>
+          </a:p>
+          <a:p>
+            <a:r>
+              <a:rPr lang="en-US" dirty="0" smtClean="0"/>
+              <a:t>Google Chrome</a:t>
+            </a:r>
+          </a:p>
+          <a:p>
+            <a:r>
+              <a:rPr lang="en-US" dirty="0" smtClean="0"/>
+              <a:t>Cable profile (5Mbps / 28 </a:t>
+            </a:r>
+            <a:r>
+              <a:rPr lang="en-US" dirty="0" err="1" smtClean="0"/>
+              <a:t>ms</a:t>
+            </a:r>
+            <a:r>
+              <a:rPr lang="en-US" dirty="0" smtClean="0"/>
+              <a:t> RTT) </a:t>
+            </a:r>
+          </a:p>
+          <a:p>
+            <a:endParaRPr lang="en-US" dirty="0"/>
+          </a:p>
+        </p:txBody>
+      </p:sp>
+      <p:sp>
+        <p:nvSpPr>
+          <p:cNvPr id="4" name="TextBox 3"/>
+          <p:cNvSpPr txBox="1"/>
+          <p:nvPr/>
+        </p:nvSpPr>
+        <p:spPr>
+          <a:xfrm>
+            <a:off x="304803" y="6019800"/>
+            <a:ext cx="7463775" cy="646331"/>
+          </a:xfrm>
+          <a:prstGeom prst="rect">
+            <a:avLst/>
+          </a:prstGeom>
+          <a:noFill/>
+        </p:spPr>
+        <p:txBody>
+          <a:bodyPr wrap="none" rtlCol="0">
+            <a:spAutoFit/>
+          </a:bodyPr>
+          <a:lstStyle/>
+          <a:p>
+            <a:r>
+              <a:rPr lang="en-US" dirty="0" smtClean="0"/>
+              <a:t>Read more: </a:t>
+            </a:r>
+            <a:r>
+              <a:rPr lang="en-US" dirty="0" smtClean="0">
+                <a:hlinkClick r:id="rId2"/>
+              </a:rPr>
+              <a:t>http://developer.chrome.com/devsummit/sessions#perf-network</a:t>
+            </a:r>
+            <a:endParaRPr lang="en-US" dirty="0" smtClean="0"/>
+          </a:p>
+          <a:p>
+            <a:endParaRPr lang="en-US" dirty="0" smtClean="0"/>
+          </a:p>
+        </p:txBody>
+      </p:sp>
+    </p:spTree>
+    <p:extLst>
+      <p:ext uri="{BB962C8B-B14F-4D97-AF65-F5344CB8AC3E}">
+        <p14:creationId xmlns:p14="http://schemas.microsoft.com/office/powerpoint/2010/main" val="212761484"/>
+      </p:ext>
+    </p:extLst>
+  </p:cSld>
+  <p:clrMapOvr>
+    <a:masterClrMapping/>
+  </p:clrMapOvr>
+  <p:timing>
+    <p:tnLst>
+      <p:par>
+        <p:cTn id="1" dur="indefinite" restart="never" nodeType="tmRoot"/>
+      </p:par>
+    </p:tnLst>
+  </p:timing>
+</p:sld>
+</file>
+
+<file path=ppt/slides/slide40.xml><?xml version="1.0" encoding="utf-8"?>
 <p:sld xmlns:a="http://schemas.openxmlformats.org/drawingml/2006/main" xmlns:r="http://schemas.openxmlformats.org/officeDocument/2006/relationships" xmlns:p="http://schemas.openxmlformats.org/presentationml/2006/main">
   <p:cSld>
     <p:spTree>
@@ -9089,155 +9316,7 @@
 </p:sld>
 </file>
 
-<file path=ppt/slides/slide4.xml><?xml version="1.0" encoding="utf-8"?>
-<p:sld xmlns:a="http://schemas.openxmlformats.org/drawingml/2006/main" xmlns:r="http://schemas.openxmlformats.org/officeDocument/2006/relationships" xmlns:p="http://schemas.openxmlformats.org/presentationml/2006/main">
-  <p:cSld>
-    <p:spTree>
-      <p:nvGrpSpPr>
-        <p:cNvPr id="1" name=""/>
-        <p:cNvGrpSpPr/>
-        <p:nvPr/>
-      </p:nvGrpSpPr>
-      <p:grpSpPr>
-        <a:xfrm>
-          <a:off x="0" y="0"/>
-          <a:ext cx="0" cy="0"/>
-          <a:chOff x="0" y="0"/>
-          <a:chExt cx="0" cy="0"/>
-        </a:xfrm>
-      </p:grpSpPr>
-      <p:sp>
-        <p:nvSpPr>
-          <p:cNvPr id="2" name="Title 1"/>
-          <p:cNvSpPr>
-            <a:spLocks noGrp="1"/>
-          </p:cNvSpPr>
-          <p:nvPr>
-            <p:ph type="title"/>
-          </p:nvPr>
-        </p:nvSpPr>
-        <p:spPr/>
-        <p:txBody>
-          <a:bodyPr/>
-          <a:lstStyle/>
-          <a:p>
-            <a:r>
-              <a:rPr lang="en-US" dirty="0" smtClean="0">
-                <a:latin typeface="+mn-lt"/>
-              </a:rPr>
-              <a:t>Experiment</a:t>
-            </a:r>
-            <a:endParaRPr lang="en-US" dirty="0">
-              <a:latin typeface="+mn-lt"/>
-            </a:endParaRPr>
-          </a:p>
-        </p:txBody>
-      </p:sp>
-      <p:sp>
-        <p:nvSpPr>
-          <p:cNvPr id="3" name="Content Placeholder 2"/>
-          <p:cNvSpPr>
-            <a:spLocks noGrp="1"/>
-          </p:cNvSpPr>
-          <p:nvPr>
-            <p:ph idx="1"/>
-          </p:nvPr>
-        </p:nvSpPr>
-        <p:spPr/>
-        <p:txBody>
-          <a:bodyPr/>
-          <a:lstStyle/>
-          <a:p>
-            <a:r>
-              <a:rPr lang="en-US" dirty="0" smtClean="0"/>
-              <a:t>Top 1M Alexa sites</a:t>
-            </a:r>
-          </a:p>
-          <a:p>
-            <a:r>
-              <a:rPr lang="en-US" dirty="0" smtClean="0"/>
-              <a:t>Google Chrome</a:t>
-            </a:r>
-          </a:p>
-          <a:p>
-            <a:r>
-              <a:rPr lang="en-US" dirty="0" smtClean="0"/>
-              <a:t>Cable profile (5Mbps / 28 </a:t>
-            </a:r>
-            <a:r>
-              <a:rPr lang="en-US" dirty="0" err="1" smtClean="0"/>
-              <a:t>ms</a:t>
-            </a:r>
-            <a:r>
-              <a:rPr lang="en-US" dirty="0" smtClean="0"/>
-              <a:t> RTT) </a:t>
-            </a:r>
-          </a:p>
-          <a:p>
-            <a:endParaRPr lang="en-US" dirty="0"/>
-          </a:p>
-        </p:txBody>
-      </p:sp>
-      <p:sp>
-        <p:nvSpPr>
-          <p:cNvPr id="4" name="TextBox 3"/>
-          <p:cNvSpPr txBox="1"/>
-          <p:nvPr/>
-        </p:nvSpPr>
-        <p:spPr>
-          <a:xfrm>
-            <a:off x="304803" y="6019800"/>
-            <a:ext cx="7463775" cy="646331"/>
-          </a:xfrm>
-          <a:prstGeom prst="rect">
-            <a:avLst/>
-          </a:prstGeom>
-          <a:noFill/>
-        </p:spPr>
-        <p:txBody>
-          <a:bodyPr wrap="none" rtlCol="0">
-            <a:spAutoFit/>
-          </a:bodyPr>
-          <a:lstStyle/>
-          <a:p>
-            <a:r>
-              <a:rPr lang="en-US" dirty="0" smtClean="0"/>
-              <a:t>Read more: </a:t>
-            </a:r>
-            <a:r>
-              <a:rPr lang="en-US" dirty="0" smtClean="0">
-                <a:hlinkClick r:id="rId2"/>
-              </a:rPr>
-              <a:t>http://developer.chrome.com/devsummit/sessions#perf-network</a:t>
-            </a:r>
-            <a:endParaRPr lang="en-US" dirty="0" smtClean="0"/>
-          </a:p>
-          <a:p>
-            <a:endParaRPr lang="en-US" dirty="0" smtClean="0"/>
-          </a:p>
-        </p:txBody>
-      </p:sp>
-    </p:spTree>
-    <p:extLst>
-      <p:ext uri="{BB962C8B-B14F-4D97-AF65-F5344CB8AC3E}">
-        <p14:creationId xmlns:p14="http://schemas.microsoft.com/office/powerpoint/2010/main" val="212761484"/>
-      </p:ext>
-    </p:extLst>
-  </p:cSld>
-  <p:clrMapOvr>
-    <a:masterClrMapping/>
-  </p:clrMapOvr>
-  <p:timing>
-    <p:tnLst>
-      <p:par>
-        <p:cTn id="1" dur="indefinite" restart="never" nodeType="tmRoot"/>
-      </p:par>
-    </p:tnLst>
-  </p:timing>
-</p:sld>
-</file>
-
-<file path=ppt/slides/slide40.xml><?xml version="1.0" encoding="utf-8"?>
+<file path=ppt/slides/slide41.xml><?xml version="1.0" encoding="utf-8"?>
 <p:sld xmlns:a="http://schemas.openxmlformats.org/drawingml/2006/main" xmlns:r="http://schemas.openxmlformats.org/officeDocument/2006/relationships" xmlns:p="http://schemas.openxmlformats.org/presentationml/2006/main">
   <p:cSld>
     <p:spTree>
@@ -9323,99 +9402,6 @@
 </p:sld>
 </file>
 
-<file path=ppt/slides/slide41.xml><?xml version="1.0" encoding="utf-8"?>
-<p:sld xmlns:a="http://schemas.openxmlformats.org/drawingml/2006/main" xmlns:r="http://schemas.openxmlformats.org/officeDocument/2006/relationships" xmlns:p="http://schemas.openxmlformats.org/presentationml/2006/main">
-  <p:cSld>
-    <p:spTree>
-      <p:nvGrpSpPr>
-        <p:cNvPr id="1" name=""/>
-        <p:cNvGrpSpPr/>
-        <p:nvPr/>
-      </p:nvGrpSpPr>
-      <p:grpSpPr>
-        <a:xfrm>
-          <a:off x="0" y="0"/>
-          <a:ext cx="0" cy="0"/>
-          <a:chOff x="0" y="0"/>
-          <a:chExt cx="0" cy="0"/>
-        </a:xfrm>
-      </p:grpSpPr>
-      <p:sp>
-        <p:nvSpPr>
-          <p:cNvPr id="2" name="Title 1"/>
-          <p:cNvSpPr>
-            <a:spLocks noGrp="1"/>
-          </p:cNvSpPr>
-          <p:nvPr>
-            <p:ph type="title"/>
-          </p:nvPr>
-        </p:nvSpPr>
-        <p:spPr/>
-        <p:txBody>
-          <a:bodyPr/>
-          <a:lstStyle/>
-          <a:p>
-            <a:endParaRPr lang="en-US"/>
-          </a:p>
-        </p:txBody>
-      </p:sp>
-      <p:sp>
-        <p:nvSpPr>
-          <p:cNvPr id="3" name="Content Placeholder 2"/>
-          <p:cNvSpPr>
-            <a:spLocks noGrp="1"/>
-          </p:cNvSpPr>
-          <p:nvPr>
-            <p:ph idx="1"/>
-          </p:nvPr>
-        </p:nvSpPr>
-        <p:spPr/>
-        <p:txBody>
-          <a:bodyPr/>
-          <a:lstStyle/>
-          <a:p>
-            <a:pPr marL="0" indent="0">
-              <a:buNone/>
-            </a:pPr>
-            <a:r>
-              <a:rPr lang="en-US" dirty="0"/>
-              <a:t>Keep-alive - </a:t>
-            </a:r>
-            <a:r>
-              <a:rPr lang="en-US" dirty="0">
-                <a:hlinkClick r:id="rId2"/>
-              </a:rPr>
-              <a:t>http://www.webpagetest.org/result/140226_3K_82Z/1/details</a:t>
-            </a:r>
-            <a:r>
-              <a:rPr lang="en-US" dirty="0" smtClean="0">
-                <a:hlinkClick r:id="rId2"/>
-              </a:rPr>
-              <a:t>/</a:t>
-            </a:r>
-            <a:endParaRPr lang="en-US" dirty="0" smtClean="0"/>
-          </a:p>
-          <a:p>
-            <a:pPr marL="0" indent="0">
-              <a:buNone/>
-            </a:pPr>
-            <a:endParaRPr lang="en-US" dirty="0"/>
-          </a:p>
-        </p:txBody>
-      </p:sp>
-    </p:spTree>
-    <p:extLst>
-      <p:ext uri="{BB962C8B-B14F-4D97-AF65-F5344CB8AC3E}">
-        <p14:creationId xmlns:p14="http://schemas.microsoft.com/office/powerpoint/2010/main" val="3423016794"/>
-      </p:ext>
-    </p:extLst>
-  </p:cSld>
-  <p:clrMapOvr>
-    <a:masterClrMapping/>
-  </p:clrMapOvr>
-</p:sld>
-</file>
-
 <file path=ppt/slides/slide42.xml><?xml version="1.0" encoding="utf-8"?>
 <p:sld xmlns:a="http://schemas.openxmlformats.org/drawingml/2006/main" xmlns:r="http://schemas.openxmlformats.org/officeDocument/2006/relationships" xmlns:p="http://schemas.openxmlformats.org/presentationml/2006/main">
   <p:cSld>
@@ -9448,11 +9434,7 @@
           <a:bodyPr/>
           <a:lstStyle/>
           <a:p>
-            <a:r>
-              <a:rPr lang="en-US" dirty="0" smtClean="0"/>
-              <a:t>Out of Scope</a:t>
-            </a:r>
-            <a:endParaRPr lang="en-US" dirty="0"/>
+            <a:endParaRPr lang="en-US"/>
           </a:p>
         </p:txBody>
       </p:sp>
@@ -9468,64 +9450,34 @@
         </p:nvSpPr>
         <p:spPr/>
         <p:txBody>
-          <a:bodyPr>
-            <a:normAutofit/>
-          </a:bodyPr>
-          <a:lstStyle/>
-          <a:p>
-            <a:r>
-              <a:rPr lang="en-US" dirty="0" smtClean="0"/>
-              <a:t>SPDY</a:t>
-            </a:r>
-          </a:p>
-          <a:p>
+          <a:bodyPr/>
+          <a:lstStyle/>
+          <a:p>
+            <a:pPr marL="0" indent="0">
+              <a:buNone/>
+            </a:pPr>
             <a:r>
               <a:rPr lang="en-US" dirty="0"/>
-              <a:t>Domain </a:t>
-            </a:r>
-            <a:r>
-              <a:rPr lang="en-US" dirty="0" err="1" smtClean="0"/>
-              <a:t>Sharding</a:t>
+              <a:t>Keep-alive - </a:t>
+            </a:r>
+            <a:r>
+              <a:rPr lang="en-US" dirty="0">
+                <a:hlinkClick r:id="rId2"/>
+              </a:rPr>
+              <a:t>http://www.webpagetest.org/result/140226_3K_82Z/1/details</a:t>
+            </a:r>
+            <a:r>
+              <a:rPr lang="en-US" dirty="0" smtClean="0">
+                <a:hlinkClick r:id="rId2"/>
+              </a:rPr>
+              <a:t>/</a:t>
             </a:r>
             <a:endParaRPr lang="en-US" dirty="0" smtClean="0"/>
           </a:p>
           <a:p>
-            <a:r>
-              <a:rPr lang="en-US" dirty="0"/>
-              <a:t>HTTP </a:t>
-            </a:r>
-            <a:r>
-              <a:rPr lang="en-US" dirty="0" smtClean="0"/>
-              <a:t>Pipelining</a:t>
-            </a:r>
-          </a:p>
-          <a:p>
-            <a:r>
-              <a:rPr lang="en-US" dirty="0" smtClean="0"/>
-              <a:t>Compression (</a:t>
-            </a:r>
-            <a:r>
-              <a:rPr lang="en-US" dirty="0" err="1" smtClean="0"/>
-              <a:t>gzip</a:t>
-            </a:r>
-            <a:r>
-              <a:rPr lang="en-US" dirty="0" smtClean="0"/>
-              <a:t> and etc.)</a:t>
-            </a:r>
-          </a:p>
-          <a:p>
-            <a:r>
-              <a:rPr lang="en-US" dirty="0" smtClean="0"/>
-              <a:t>Etc.</a:t>
-            </a:r>
-          </a:p>
-          <a:p>
-            <a:endParaRPr lang="en-US" dirty="0"/>
-          </a:p>
-          <a:p>
-            <a:endParaRPr lang="en-US" dirty="0"/>
-          </a:p>
-          <a:p>
+            <a:pPr marL="0" indent="0">
+              <a:buNone/>
+            </a:pPr>
             <a:endParaRPr lang="en-US" dirty="0"/>
           </a:p>
         </p:txBody>
@@ -9533,20 +9485,13 @@
     </p:spTree>
     <p:extLst>
       <p:ext uri="{BB962C8B-B14F-4D97-AF65-F5344CB8AC3E}">
-        <p14:creationId xmlns:p14="http://schemas.microsoft.com/office/powerpoint/2010/main" val="2553505793"/>
+        <p14:creationId xmlns:p14="http://schemas.microsoft.com/office/powerpoint/2010/main" val="3423016794"/>
       </p:ext>
     </p:extLst>
   </p:cSld>
   <p:clrMapOvr>
     <a:masterClrMapping/>
   </p:clrMapOvr>
-  <p:timing>
-    <p:tnLst>
-      <p:par>
-        <p:cTn id="1" dur="indefinite" restart="never" nodeType="tmRoot"/>
-      </p:par>
-    </p:tnLst>
-  </p:timing>
 </p:sld>
 </file>
 
@@ -9584,7 +9529,7 @@
           <a:p>
             <a:r>
               <a:rPr lang="en-US" dirty="0" smtClean="0"/>
-              <a:t>Want more?</a:t>
+              <a:t>Out of Scope</a:t>
             </a:r>
             <a:endParaRPr lang="en-US" dirty="0"/>
           </a:p>
@@ -9603,89 +9548,55 @@
         <p:spPr/>
         <p:txBody>
           <a:bodyPr>
-            <a:normAutofit fontScale="92500" lnSpcReduction="20000"/>
+            <a:normAutofit/>
           </a:bodyPr>
           <a:lstStyle/>
           <a:p>
             <a:r>
-              <a:rPr lang="en-US" dirty="0" smtClean="0">
-                <a:hlinkClick r:id="rId2"/>
-              </a:rPr>
-              <a:t>http://developer.chrome.com/devsummit/sessions#perf-network</a:t>
+              <a:rPr lang="en-US" dirty="0" smtClean="0"/>
+              <a:t>SPDY</a:t>
+            </a:r>
+          </a:p>
+          <a:p>
+            <a:r>
+              <a:rPr lang="en-US" dirty="0"/>
+              <a:t>Domain </a:t>
+            </a:r>
+            <a:r>
+              <a:rPr lang="en-US" dirty="0" err="1" smtClean="0"/>
+              <a:t>Sharding</a:t>
             </a:r>
             <a:endParaRPr lang="en-US" dirty="0" smtClean="0"/>
           </a:p>
           <a:p>
             <a:r>
-              <a:rPr lang="en-US" dirty="0" smtClean="0">
-                <a:hlinkClick r:id="rId3"/>
-              </a:rPr>
-              <a:t>http</a:t>
-            </a:r>
-            <a:r>
-              <a:rPr lang="en-US" dirty="0">
-                <a:hlinkClick r:id="rId3"/>
-              </a:rPr>
-              <a:t>://</a:t>
-            </a:r>
-            <a:r>
-              <a:rPr lang="en-US" dirty="0" smtClean="0">
-                <a:hlinkClick r:id="rId3"/>
-              </a:rPr>
-              <a:t>blog.pamelafox.org/2014/01/improving-front-page-performance.html</a:t>
-            </a:r>
-            <a:endParaRPr lang="en-US" dirty="0" smtClean="0"/>
-          </a:p>
-          <a:p>
-            <a:r>
-              <a:rPr lang="en-US" dirty="0">
-                <a:hlinkClick r:id="rId4"/>
-              </a:rPr>
-              <a:t>http://www.igvita.com/posa/high-performance-networking-in-google-chrome</a:t>
-            </a:r>
-            <a:r>
-              <a:rPr lang="en-US" dirty="0" smtClean="0">
-                <a:hlinkClick r:id="rId4"/>
-              </a:rPr>
-              <a:t>/</a:t>
-            </a:r>
-            <a:endParaRPr lang="en-US" dirty="0" smtClean="0"/>
-          </a:p>
-          <a:p>
-            <a:r>
-              <a:rPr lang="en-US" dirty="0">
-                <a:hlinkClick r:id="rId5"/>
-              </a:rPr>
-              <a:t>https://</a:t>
-            </a:r>
-            <a:r>
-              <a:rPr lang="en-US" dirty="0" smtClean="0">
-                <a:hlinkClick r:id="rId5"/>
-              </a:rPr>
-              <a:t>www.youtube.com/watch?v=4Q9e58_08E4</a:t>
-            </a:r>
-            <a:endParaRPr lang="en-US" dirty="0" smtClean="0"/>
-          </a:p>
-          <a:p>
-            <a:r>
-              <a:rPr lang="en-US" dirty="0">
-                <a:hlinkClick r:id="rId6"/>
-              </a:rPr>
-              <a:t>http://</a:t>
-            </a:r>
-            <a:r>
-              <a:rPr lang="en-US" dirty="0" smtClean="0">
-                <a:hlinkClick r:id="rId6"/>
-              </a:rPr>
-              <a:t>www.slideshare.net/AndyDavies/web-page-test-beyond-the-basics</a:t>
-            </a:r>
-            <a:endParaRPr lang="en-US" dirty="0" smtClean="0"/>
-          </a:p>
-          <a:p>
-            <a:endParaRPr lang="en-US" dirty="0" smtClean="0"/>
-          </a:p>
-          <a:p>
-            <a:endParaRPr lang="en-US" dirty="0" smtClean="0"/>
+              <a:rPr lang="en-US" dirty="0"/>
+              <a:t>HTTP </a:t>
+            </a:r>
+            <a:r>
+              <a:rPr lang="en-US" dirty="0" smtClean="0"/>
+              <a:t>Pipelining</a:t>
+            </a:r>
+          </a:p>
+          <a:p>
+            <a:r>
+              <a:rPr lang="en-US" dirty="0" smtClean="0"/>
+              <a:t>Compression (</a:t>
+            </a:r>
+            <a:r>
+              <a:rPr lang="en-US" dirty="0" err="1" smtClean="0"/>
+              <a:t>gzip</a:t>
+            </a:r>
+            <a:r>
+              <a:rPr lang="en-US" dirty="0" smtClean="0"/>
+              <a:t> and etc.)</a:t>
+            </a:r>
+          </a:p>
+          <a:p>
+            <a:r>
+              <a:rPr lang="en-US" dirty="0" smtClean="0"/>
+              <a:t>Etc.</a:t>
+            </a:r>
           </a:p>
           <a:p>
             <a:endParaRPr lang="en-US" dirty="0"/>
@@ -9701,7 +9612,7 @@
     </p:spTree>
     <p:extLst>
       <p:ext uri="{BB962C8B-B14F-4D97-AF65-F5344CB8AC3E}">
-        <p14:creationId xmlns:p14="http://schemas.microsoft.com/office/powerpoint/2010/main" val="1874784849"/>
+        <p14:creationId xmlns:p14="http://schemas.microsoft.com/office/powerpoint/2010/main" val="2553505793"/>
       </p:ext>
     </p:extLst>
   </p:cSld>
@@ -9745,20 +9656,123 @@
             <p:ph type="title"/>
           </p:nvPr>
         </p:nvSpPr>
-        <p:spPr>
-          <a:xfrm>
-            <a:off x="533400" y="2895600"/>
-            <a:ext cx="8229600" cy="1143000"/>
-          </a:xfrm>
-        </p:spPr>
+        <p:spPr/>
         <p:txBody>
           <a:bodyPr/>
           <a:lstStyle/>
           <a:p>
             <a:r>
               <a:rPr lang="en-US" dirty="0" smtClean="0"/>
-              <a:t>Questions?</a:t>
-            </a:r>
+              <a:t>Want more?</a:t>
+            </a:r>
+            <a:endParaRPr lang="en-US" dirty="0"/>
+          </a:p>
+        </p:txBody>
+      </p:sp>
+      <p:sp>
+        <p:nvSpPr>
+          <p:cNvPr id="3" name="Content Placeholder 2"/>
+          <p:cNvSpPr>
+            <a:spLocks noGrp="1"/>
+          </p:cNvSpPr>
+          <p:nvPr>
+            <p:ph idx="1"/>
+          </p:nvPr>
+        </p:nvSpPr>
+        <p:spPr/>
+        <p:txBody>
+          <a:bodyPr>
+            <a:normAutofit fontScale="92500" lnSpcReduction="20000"/>
+          </a:bodyPr>
+          <a:lstStyle/>
+          <a:p>
+            <a:r>
+              <a:rPr lang="en-US" dirty="0" smtClean="0">
+                <a:hlinkClick r:id="rId2"/>
+              </a:rPr>
+              <a:t>http://developer.chrome.com/devsummit/sessions#perf-network</a:t>
+            </a:r>
+            <a:endParaRPr lang="en-US" dirty="0" smtClean="0"/>
+          </a:p>
+          <a:p>
+            <a:r>
+              <a:rPr lang="en-US" dirty="0" smtClean="0">
+                <a:hlinkClick r:id="rId3"/>
+              </a:rPr>
+              <a:t>http</a:t>
+            </a:r>
+            <a:r>
+              <a:rPr lang="en-US" dirty="0">
+                <a:hlinkClick r:id="rId3"/>
+              </a:rPr>
+              <a:t>://</a:t>
+            </a:r>
+            <a:r>
+              <a:rPr lang="en-US" dirty="0" smtClean="0">
+                <a:hlinkClick r:id="rId3"/>
+              </a:rPr>
+              <a:t>blog.pamelafox.org/2014/01/improving-front-page-performance.html</a:t>
+            </a:r>
+            <a:endParaRPr lang="en-US" dirty="0" smtClean="0"/>
+          </a:p>
+          <a:p>
+            <a:r>
+              <a:rPr lang="en-US" dirty="0">
+                <a:hlinkClick r:id="rId4"/>
+              </a:rPr>
+              <a:t>http://www.igvita.com/posa/high-performance-networking-in-google-chrome</a:t>
+            </a:r>
+            <a:r>
+              <a:rPr lang="en-US" dirty="0" smtClean="0">
+                <a:hlinkClick r:id="rId4"/>
+              </a:rPr>
+              <a:t>/</a:t>
+            </a:r>
+            <a:endParaRPr lang="en-US" dirty="0" smtClean="0"/>
+          </a:p>
+          <a:p>
+            <a:r>
+              <a:rPr lang="en-US" dirty="0">
+                <a:hlinkClick r:id="rId5"/>
+              </a:rPr>
+              <a:t>https://</a:t>
+            </a:r>
+            <a:r>
+              <a:rPr lang="en-US" dirty="0" smtClean="0">
+                <a:hlinkClick r:id="rId5"/>
+              </a:rPr>
+              <a:t>www.youtube.com/watch?v=4Q9e58_08E4</a:t>
+            </a:r>
+            <a:endParaRPr lang="en-US" dirty="0" smtClean="0"/>
+          </a:p>
+          <a:p>
+            <a:r>
+              <a:rPr lang="en-US" dirty="0">
+                <a:hlinkClick r:id="rId6"/>
+              </a:rPr>
+              <a:t>http://</a:t>
+            </a:r>
+            <a:r>
+              <a:rPr lang="en-US" dirty="0" smtClean="0">
+                <a:hlinkClick r:id="rId6"/>
+              </a:rPr>
+              <a:t>www.slideshare.net/AndyDavies/web-page-test-beyond-the-basics</a:t>
+            </a:r>
+            <a:endParaRPr lang="en-US" dirty="0" smtClean="0"/>
+          </a:p>
+          <a:p>
+            <a:endParaRPr lang="en-US" dirty="0" smtClean="0"/>
+          </a:p>
+          <a:p>
+            <a:endParaRPr lang="en-US" dirty="0" smtClean="0"/>
+          </a:p>
+          <a:p>
+            <a:endParaRPr lang="en-US" dirty="0"/>
+          </a:p>
+          <a:p>
+            <a:endParaRPr lang="en-US" dirty="0"/>
+          </a:p>
+          <a:p>
             <a:endParaRPr lang="en-US" dirty="0"/>
           </a:p>
         </p:txBody>
@@ -9766,7 +9780,7 @@
     </p:spTree>
     <p:extLst>
       <p:ext uri="{BB962C8B-B14F-4D97-AF65-F5344CB8AC3E}">
-        <p14:creationId xmlns:p14="http://schemas.microsoft.com/office/powerpoint/2010/main" val="3489221105"/>
+        <p14:creationId xmlns:p14="http://schemas.microsoft.com/office/powerpoint/2010/main" val="1874784849"/>
       </p:ext>
     </p:extLst>
   </p:cSld>
@@ -9810,67 +9824,20 @@
             <p:ph type="title"/>
           </p:nvPr>
         </p:nvSpPr>
-        <p:spPr/>
-        <p:txBody>
-          <a:bodyPr/>
-          <a:lstStyle/>
-          <a:p>
-            <a:endParaRPr lang="en-US"/>
-          </a:p>
-        </p:txBody>
-      </p:sp>
-      <p:sp>
-        <p:nvSpPr>
-          <p:cNvPr id="3" name="Content Placeholder 2"/>
-          <p:cNvSpPr>
-            <a:spLocks noGrp="1"/>
-          </p:cNvSpPr>
-          <p:nvPr>
-            <p:ph idx="1"/>
-          </p:nvPr>
-        </p:nvSpPr>
-        <p:spPr/>
-        <p:txBody>
-          <a:bodyPr/>
-          <a:lstStyle/>
-          <a:p>
-            <a:r>
-              <a:rPr lang="en-US" dirty="0" err="1" smtClean="0"/>
-              <a:t>Gzip</a:t>
-            </a:r>
-            <a:endParaRPr lang="en-US" dirty="0" smtClean="0"/>
-          </a:p>
-          <a:p>
-            <a:r>
-              <a:rPr lang="en-US" dirty="0">
-                <a:hlinkClick r:id="rId2"/>
-              </a:rPr>
-              <a:t>https://</a:t>
-            </a:r>
-            <a:r>
-              <a:rPr lang="en-US" dirty="0" smtClean="0">
-                <a:hlinkClick r:id="rId2"/>
-              </a:rPr>
-              <a:t>www.youtube.com/watch?v=whGwm0Lky2s&amp;feature=youtu.be</a:t>
-            </a:r>
-            <a:endParaRPr lang="en-US" dirty="0" smtClean="0"/>
-          </a:p>
-          <a:p>
-            <a:r>
-              <a:rPr lang="en-US">
-                <a:hlinkClick r:id="rId3"/>
-              </a:rPr>
-              <a:t>https://</a:t>
-            </a:r>
-            <a:r>
-              <a:rPr lang="en-US" smtClean="0">
-                <a:hlinkClick r:id="rId3"/>
-              </a:rPr>
-              <a:t>docs.google.com/presentation/d/1TtEKxKLi2pG3OoS8fgCpum_9nPZz_KxgO3UkBdh4bh8/edit#slide=id.p18</a:t>
-            </a:r>
-            <a:endParaRPr lang="en-US" smtClean="0"/>
-          </a:p>
-          <a:p>
+        <p:spPr>
+          <a:xfrm>
+            <a:off x="533400" y="2895600"/>
+            <a:ext cx="8229600" cy="1143000"/>
+          </a:xfrm>
+        </p:spPr>
+        <p:txBody>
+          <a:bodyPr/>
+          <a:lstStyle/>
+          <a:p>
+            <a:r>
+              <a:rPr lang="en-US" dirty="0" smtClean="0"/>
+              <a:t>Questions?</a:t>
+            </a:r>
             <a:endParaRPr lang="en-US" dirty="0"/>
           </a:p>
         </p:txBody>
@@ -9878,13 +9845,20 @@
     </p:spTree>
     <p:extLst>
       <p:ext uri="{BB962C8B-B14F-4D97-AF65-F5344CB8AC3E}">
-        <p14:creationId xmlns:p14="http://schemas.microsoft.com/office/powerpoint/2010/main" val="326883478"/>
+        <p14:creationId xmlns:p14="http://schemas.microsoft.com/office/powerpoint/2010/main" val="3489221105"/>
       </p:ext>
     </p:extLst>
   </p:cSld>
   <p:clrMapOvr>
     <a:masterClrMapping/>
   </p:clrMapOvr>
+  <p:timing>
+    <p:tnLst>
+      <p:par>
+        <p:cTn id="1" dur="indefinite" restart="never" nodeType="tmRoot"/>
+      </p:par>
+    </p:tnLst>
+  </p:timing>
 </p:sld>
 </file>
 
@@ -9907,6 +9881,111 @@
       </p:grpSpPr>
       <p:sp>
         <p:nvSpPr>
+          <p:cNvPr id="2" name="Title 1"/>
+          <p:cNvSpPr>
+            <a:spLocks noGrp="1"/>
+          </p:cNvSpPr>
+          <p:nvPr>
+            <p:ph type="title"/>
+          </p:nvPr>
+        </p:nvSpPr>
+        <p:spPr/>
+        <p:txBody>
+          <a:bodyPr/>
+          <a:lstStyle/>
+          <a:p>
+            <a:endParaRPr lang="en-US"/>
+          </a:p>
+        </p:txBody>
+      </p:sp>
+      <p:sp>
+        <p:nvSpPr>
+          <p:cNvPr id="3" name="Content Placeholder 2"/>
+          <p:cNvSpPr>
+            <a:spLocks noGrp="1"/>
+          </p:cNvSpPr>
+          <p:nvPr>
+            <p:ph idx="1"/>
+          </p:nvPr>
+        </p:nvSpPr>
+        <p:spPr/>
+        <p:txBody>
+          <a:bodyPr/>
+          <a:lstStyle/>
+          <a:p>
+            <a:r>
+              <a:rPr lang="en-US" dirty="0" err="1" smtClean="0"/>
+              <a:t>Gzip</a:t>
+            </a:r>
+            <a:endParaRPr lang="en-US" dirty="0" smtClean="0"/>
+          </a:p>
+          <a:p>
+            <a:r>
+              <a:rPr lang="en-US" dirty="0">
+                <a:hlinkClick r:id="rId2"/>
+              </a:rPr>
+              <a:t>https://</a:t>
+            </a:r>
+            <a:r>
+              <a:rPr lang="en-US" dirty="0" smtClean="0">
+                <a:hlinkClick r:id="rId2"/>
+              </a:rPr>
+              <a:t>www.youtube.com/watch?v=whGwm0Lky2s&amp;feature=youtu.be</a:t>
+            </a:r>
+            <a:endParaRPr lang="en-US" dirty="0" smtClean="0"/>
+          </a:p>
+          <a:p>
+            <a:r>
+              <a:rPr lang="en-US">
+                <a:hlinkClick r:id="rId3"/>
+              </a:rPr>
+              <a:t>https://</a:t>
+            </a:r>
+            <a:r>
+              <a:rPr lang="en-US" smtClean="0">
+                <a:hlinkClick r:id="rId3"/>
+              </a:rPr>
+              <a:t>docs.google.com/presentation/d/1TtEKxKLi2pG3OoS8fgCpum_9nPZz_KxgO3UkBdh4bh8/edit#slide=id.p18</a:t>
+            </a:r>
+            <a:endParaRPr lang="en-US" smtClean="0"/>
+          </a:p>
+          <a:p>
+            <a:endParaRPr lang="en-US" dirty="0"/>
+          </a:p>
+        </p:txBody>
+      </p:sp>
+    </p:spTree>
+    <p:extLst>
+      <p:ext uri="{BB962C8B-B14F-4D97-AF65-F5344CB8AC3E}">
+        <p14:creationId xmlns:p14="http://schemas.microsoft.com/office/powerpoint/2010/main" val="326883478"/>
+      </p:ext>
+    </p:extLst>
+  </p:cSld>
+  <p:clrMapOvr>
+    <a:masterClrMapping/>
+  </p:clrMapOvr>
+</p:sld>
+</file>
+
+<file path=ppt/slides/slide47.xml><?xml version="1.0" encoding="utf-8"?>
+<p:sld xmlns:a="http://schemas.openxmlformats.org/drawingml/2006/main" xmlns:r="http://schemas.openxmlformats.org/officeDocument/2006/relationships" xmlns:p="http://schemas.openxmlformats.org/presentationml/2006/main">
+  <p:cSld>
+    <p:spTree>
+      <p:nvGrpSpPr>
+        <p:cNvPr id="1" name=""/>
+        <p:cNvGrpSpPr/>
+        <p:nvPr/>
+      </p:nvGrpSpPr>
+      <p:grpSpPr>
+        <a:xfrm>
+          <a:off x="0" y="0"/>
+          <a:ext cx="0" cy="0"/>
+          <a:chOff x="0" y="0"/>
+          <a:chExt cx="0" cy="0"/>
+        </a:xfrm>
+      </p:grpSpPr>
+      <p:sp>
+        <p:nvSpPr>
           <p:cNvPr id="6" name="Title 1"/>
           <p:cNvSpPr>
             <a:spLocks noGrp="1"/>
@@ -10073,7 +10152,7 @@
 </p:sld>
 </file>
 
-<file path=ppt/slides/slide47.xml><?xml version="1.0" encoding="utf-8"?>
+<file path=ppt/slides/slide48.xml><?xml version="1.0" encoding="utf-8"?>
 <p:sld xmlns:a="http://schemas.openxmlformats.org/drawingml/2006/main" xmlns:r="http://schemas.openxmlformats.org/officeDocument/2006/relationships" xmlns:p="http://schemas.openxmlformats.org/presentationml/2006/main">
   <p:cSld>
     <p:spTree>
@@ -10254,7 +10333,7 @@
 </p:sld>
 </file>
 
-<file path=ppt/slides/slide48.xml><?xml version="1.0" encoding="utf-8"?>
+<file path=ppt/slides/slide49.xml><?xml version="1.0" encoding="utf-8"?>
 <p:sld xmlns:a="http://schemas.openxmlformats.org/drawingml/2006/main" xmlns:r="http://schemas.openxmlformats.org/officeDocument/2006/relationships" xmlns:p="http://schemas.openxmlformats.org/presentationml/2006/main">
   <p:cSld>
     <p:spTree>
@@ -10337,122 +10416,6 @@
     <p:extLst>
       <p:ext uri="{BB962C8B-B14F-4D97-AF65-F5344CB8AC3E}">
         <p14:creationId xmlns:p14="http://schemas.microsoft.com/office/powerpoint/2010/main" val="747703948"/>
-      </p:ext>
-    </p:extLst>
-  </p:cSld>
-  <p:clrMapOvr>
-    <a:masterClrMapping/>
-  </p:clrMapOvr>
-  <p:timing>
-    <p:tnLst>
-      <p:par>
-        <p:cTn id="1" dur="indefinite" restart="never" nodeType="tmRoot"/>
-      </p:par>
-    </p:tnLst>
-  </p:timing>
-</p:sld>
-</file>
-
-<file path=ppt/slides/slide49.xml><?xml version="1.0" encoding="utf-8"?>
-<p:sld xmlns:a="http://schemas.openxmlformats.org/drawingml/2006/main" xmlns:r="http://schemas.openxmlformats.org/officeDocument/2006/relationships" xmlns:p="http://schemas.openxmlformats.org/presentationml/2006/main">
-  <p:cSld>
-    <p:spTree>
-      <p:nvGrpSpPr>
-        <p:cNvPr id="1" name=""/>
-        <p:cNvGrpSpPr/>
-        <p:nvPr/>
-      </p:nvGrpSpPr>
-      <p:grpSpPr>
-        <a:xfrm>
-          <a:off x="0" y="0"/>
-          <a:ext cx="0" cy="0"/>
-          <a:chOff x="0" y="0"/>
-          <a:chExt cx="0" cy="0"/>
-        </a:xfrm>
-      </p:grpSpPr>
-      <p:sp>
-        <p:nvSpPr>
-          <p:cNvPr id="2" name="Title 1"/>
-          <p:cNvSpPr>
-            <a:spLocks noGrp="1"/>
-          </p:cNvSpPr>
-          <p:nvPr>
-            <p:ph type="title"/>
-          </p:nvPr>
-        </p:nvSpPr>
-        <p:spPr/>
-        <p:txBody>
-          <a:bodyPr/>
-          <a:lstStyle/>
-          <a:p>
-            <a:endParaRPr lang="en-US"/>
-          </a:p>
-        </p:txBody>
-      </p:sp>
-      <p:sp>
-        <p:nvSpPr>
-          <p:cNvPr id="3" name="Content Placeholder 2"/>
-          <p:cNvSpPr>
-            <a:spLocks noGrp="1"/>
-          </p:cNvSpPr>
-          <p:nvPr>
-            <p:ph idx="1"/>
-          </p:nvPr>
-        </p:nvSpPr>
-        <p:spPr/>
-        <p:txBody>
-          <a:bodyPr/>
-          <a:lstStyle/>
-          <a:p>
-            <a:endParaRPr lang="en-US"/>
-          </a:p>
-        </p:txBody>
-      </p:sp>
-      <p:pic>
-        <p:nvPicPr>
-          <p:cNvPr id="8194" name="Picture 2" descr="D:\javascript\webPageTestTalk\chart2.png"/>
-          <p:cNvPicPr>
-            <a:picLocks noChangeAspect="1" noChangeArrowheads="1"/>
-          </p:cNvPicPr>
-          <p:nvPr/>
-        </p:nvPicPr>
-        <p:blipFill>
-          <a:blip r:embed="rId2">
-            <a:extLst>
-              <a:ext uri="{28A0092B-C50C-407E-A947-70E740481C1C}">
-                <a14:useLocalDpi xmlns:a14="http://schemas.microsoft.com/office/drawing/2010/main" val="0"/>
-              </a:ext>
-            </a:extLst>
-          </a:blip>
-          <a:srcRect/>
-          <a:stretch>
-            <a:fillRect/>
-          </a:stretch>
-        </p:blipFill>
-        <p:spPr bwMode="auto">
-          <a:xfrm>
-            <a:off x="381000" y="1143000"/>
-            <a:ext cx="8382000" cy="4191000"/>
-          </a:xfrm>
-          <a:prstGeom prst="rect">
-            <a:avLst/>
-          </a:prstGeom>
-          <a:noFill/>
-          <a:extLst>
-            <a:ext uri="{909E8E84-426E-40DD-AFC4-6F175D3DCCD1}">
-              <a14:hiddenFill xmlns:a14="http://schemas.microsoft.com/office/drawing/2010/main">
-                <a:solidFill>
-                  <a:srgbClr val="FFFFFF"/>
-                </a:solidFill>
-              </a14:hiddenFill>
-            </a:ext>
-          </a:extLst>
-        </p:spPr>
-      </p:pic>
-    </p:spTree>
-    <p:extLst>
-      <p:ext uri="{BB962C8B-B14F-4D97-AF65-F5344CB8AC3E}">
-        <p14:creationId xmlns:p14="http://schemas.microsoft.com/office/powerpoint/2010/main" val="4021957215"/>
       </p:ext>
     </p:extLst>
   </p:cSld>
@@ -10744,6 +10707,122 @@
       </p:sp>
       <p:pic>
         <p:nvPicPr>
+          <p:cNvPr id="8194" name="Picture 2" descr="D:\javascript\webPageTestTalk\chart2.png"/>
+          <p:cNvPicPr>
+            <a:picLocks noChangeAspect="1" noChangeArrowheads="1"/>
+          </p:cNvPicPr>
+          <p:nvPr/>
+        </p:nvPicPr>
+        <p:blipFill>
+          <a:blip r:embed="rId2">
+            <a:extLst>
+              <a:ext uri="{28A0092B-C50C-407E-A947-70E740481C1C}">
+                <a14:useLocalDpi xmlns:a14="http://schemas.microsoft.com/office/drawing/2010/main" val="0"/>
+              </a:ext>
+            </a:extLst>
+          </a:blip>
+          <a:srcRect/>
+          <a:stretch>
+            <a:fillRect/>
+          </a:stretch>
+        </p:blipFill>
+        <p:spPr bwMode="auto">
+          <a:xfrm>
+            <a:off x="381000" y="1143000"/>
+            <a:ext cx="8382000" cy="4191000"/>
+          </a:xfrm>
+          <a:prstGeom prst="rect">
+            <a:avLst/>
+          </a:prstGeom>
+          <a:noFill/>
+          <a:extLst>
+            <a:ext uri="{909E8E84-426E-40DD-AFC4-6F175D3DCCD1}">
+              <a14:hiddenFill xmlns:a14="http://schemas.microsoft.com/office/drawing/2010/main">
+                <a:solidFill>
+                  <a:srgbClr val="FFFFFF"/>
+                </a:solidFill>
+              </a14:hiddenFill>
+            </a:ext>
+          </a:extLst>
+        </p:spPr>
+      </p:pic>
+    </p:spTree>
+    <p:extLst>
+      <p:ext uri="{BB962C8B-B14F-4D97-AF65-F5344CB8AC3E}">
+        <p14:creationId xmlns:p14="http://schemas.microsoft.com/office/powerpoint/2010/main" val="4021957215"/>
+      </p:ext>
+    </p:extLst>
+  </p:cSld>
+  <p:clrMapOvr>
+    <a:masterClrMapping/>
+  </p:clrMapOvr>
+  <p:timing>
+    <p:tnLst>
+      <p:par>
+        <p:cTn id="1" dur="indefinite" restart="never" nodeType="tmRoot"/>
+      </p:par>
+    </p:tnLst>
+  </p:timing>
+</p:sld>
+</file>
+
+<file path=ppt/slides/slide51.xml><?xml version="1.0" encoding="utf-8"?>
+<p:sld xmlns:a="http://schemas.openxmlformats.org/drawingml/2006/main" xmlns:r="http://schemas.openxmlformats.org/officeDocument/2006/relationships" xmlns:p="http://schemas.openxmlformats.org/presentationml/2006/main">
+  <p:cSld>
+    <p:spTree>
+      <p:nvGrpSpPr>
+        <p:cNvPr id="1" name=""/>
+        <p:cNvGrpSpPr/>
+        <p:nvPr/>
+      </p:nvGrpSpPr>
+      <p:grpSpPr>
+        <a:xfrm>
+          <a:off x="0" y="0"/>
+          <a:ext cx="0" cy="0"/>
+          <a:chOff x="0" y="0"/>
+          <a:chExt cx="0" cy="0"/>
+        </a:xfrm>
+      </p:grpSpPr>
+      <p:sp>
+        <p:nvSpPr>
+          <p:cNvPr id="2" name="Title 1"/>
+          <p:cNvSpPr>
+            <a:spLocks noGrp="1"/>
+          </p:cNvSpPr>
+          <p:nvPr>
+            <p:ph type="title"/>
+          </p:nvPr>
+        </p:nvSpPr>
+        <p:spPr/>
+        <p:txBody>
+          <a:bodyPr/>
+          <a:lstStyle/>
+          <a:p>
+            <a:endParaRPr lang="en-US"/>
+          </a:p>
+        </p:txBody>
+      </p:sp>
+      <p:sp>
+        <p:nvSpPr>
+          <p:cNvPr id="3" name="Content Placeholder 2"/>
+          <p:cNvSpPr>
+            <a:spLocks noGrp="1"/>
+          </p:cNvSpPr>
+          <p:nvPr>
+            <p:ph idx="1"/>
+          </p:nvPr>
+        </p:nvSpPr>
+        <p:spPr/>
+        <p:txBody>
+          <a:bodyPr/>
+          <a:lstStyle/>
+          <a:p>
+            <a:endParaRPr lang="en-US"/>
+          </a:p>
+        </p:txBody>
+      </p:sp>
+      <p:pic>
+        <p:nvPicPr>
           <p:cNvPr id="9218" name="Picture 2" descr="D:\javascript\webPageTestTalk\chart3.png"/>
           <p:cNvPicPr>
             <a:picLocks noChangeAspect="1" noChangeArrowheads="1"/>
@@ -10803,7 +10882,7 @@
 </p:sld>
 </file>
 
-<file path=ppt/slides/slide51.xml><?xml version="1.0" encoding="utf-8"?>
+<file path=ppt/slides/slide52.xml><?xml version="1.0" encoding="utf-8"?>
 <p:sld xmlns:a="http://schemas.openxmlformats.org/drawingml/2006/main" xmlns:r="http://schemas.openxmlformats.org/officeDocument/2006/relationships" xmlns:p="http://schemas.openxmlformats.org/presentationml/2006/main">
   <p:cSld>
     <p:spTree>
@@ -10919,7 +10998,7 @@
 </p:sld>
 </file>
 
-<file path=ppt/slides/slide52.xml><?xml version="1.0" encoding="utf-8"?>
+<file path=ppt/slides/slide53.xml><?xml version="1.0" encoding="utf-8"?>
 <p:sld xmlns:a="http://schemas.openxmlformats.org/drawingml/2006/main" xmlns:r="http://schemas.openxmlformats.org/officeDocument/2006/relationships" xmlns:p="http://schemas.openxmlformats.org/presentationml/2006/main">
   <p:cSld>
     <p:spTree>
@@ -11018,7 +11097,7 @@
 </p:sld>
 </file>
 
-<file path=ppt/slides/slide53.xml><?xml version="1.0" encoding="utf-8"?>
+<file path=ppt/slides/slide54.xml><?xml version="1.0" encoding="utf-8"?>
 <p:sld xmlns:a="http://schemas.openxmlformats.org/drawingml/2006/main" xmlns:r="http://schemas.openxmlformats.org/officeDocument/2006/relationships" xmlns:p="http://schemas.openxmlformats.org/presentationml/2006/main">
   <p:cSld>
     <p:spTree>
@@ -11116,7 +11195,7 @@
 </p:sld>
 </file>
 
-<file path=ppt/slides/slide54.xml><?xml version="1.0" encoding="utf-8"?>
+<file path=ppt/slides/slide55.xml><?xml version="1.0" encoding="utf-8"?>
 <p:sld xmlns:a="http://schemas.openxmlformats.org/drawingml/2006/main" xmlns:r="http://schemas.openxmlformats.org/officeDocument/2006/relationships" xmlns:p="http://schemas.openxmlformats.org/presentationml/2006/main">
   <p:cSld>
     <p:spTree>
@@ -11232,7 +11311,7 @@
 </p:sld>
 </file>
 
-<file path=ppt/slides/slide55.xml><?xml version="1.0" encoding="utf-8"?>
+<file path=ppt/slides/slide56.xml><?xml version="1.0" encoding="utf-8"?>
 <p:sld xmlns:a="http://schemas.openxmlformats.org/drawingml/2006/main" xmlns:r="http://schemas.openxmlformats.org/officeDocument/2006/relationships" xmlns:p="http://schemas.openxmlformats.org/presentationml/2006/main">
   <p:cSld>
     <p:spTree>
@@ -11307,7 +11386,7 @@
 </p:sld>
 </file>
 
-<file path=ppt/slides/slide56.xml><?xml version="1.0" encoding="utf-8"?>
+<file path=ppt/slides/slide57.xml><?xml version="1.0" encoding="utf-8"?>
 <p:sld xmlns:a="http://schemas.openxmlformats.org/drawingml/2006/main" xmlns:r="http://schemas.openxmlformats.org/officeDocument/2006/relationships" xmlns:p="http://schemas.openxmlformats.org/presentationml/2006/main">
   <p:cSld>
     <p:spTree>
@@ -11462,7 +11541,7 @@
 </p:sld>
 </file>
 
-<file path=ppt/slides/slide57.xml><?xml version="1.0" encoding="utf-8"?>
+<file path=ppt/slides/slide58.xml><?xml version="1.0" encoding="utf-8"?>
 <p:sld xmlns:a="http://schemas.openxmlformats.org/drawingml/2006/main" xmlns:r="http://schemas.openxmlformats.org/officeDocument/2006/relationships" xmlns:p="http://schemas.openxmlformats.org/presentationml/2006/main">
   <p:cSld>
     <p:spTree>
@@ -11571,7 +11650,7 @@
 </p:sld>
 </file>
 
-<file path=ppt/slides/slide58.xml><?xml version="1.0" encoding="utf-8"?>
+<file path=ppt/slides/slide59.xml><?xml version="1.0" encoding="utf-8"?>
 <p:sld xmlns:a="http://schemas.openxmlformats.org/drawingml/2006/main" xmlns:r="http://schemas.openxmlformats.org/officeDocument/2006/relationships" xmlns:p="http://schemas.openxmlformats.org/presentationml/2006/main">
   <p:cSld>
     <p:spTree>
@@ -11671,115 +11750,6 @@
     <p:extLst>
       <p:ext uri="{BB962C8B-B14F-4D97-AF65-F5344CB8AC3E}">
         <p14:creationId xmlns:p14="http://schemas.microsoft.com/office/powerpoint/2010/main" val="281403603"/>
-      </p:ext>
-    </p:extLst>
-  </p:cSld>
-  <p:clrMapOvr>
-    <a:masterClrMapping/>
-  </p:clrMapOvr>
-</p:sld>
-</file>
-
-<file path=ppt/slides/slide59.xml><?xml version="1.0" encoding="utf-8"?>
-<p:sld xmlns:a="http://schemas.openxmlformats.org/drawingml/2006/main" xmlns:r="http://schemas.openxmlformats.org/officeDocument/2006/relationships" xmlns:p="http://schemas.openxmlformats.org/presentationml/2006/main">
-  <p:cSld>
-    <p:spTree>
-      <p:nvGrpSpPr>
-        <p:cNvPr id="1" name=""/>
-        <p:cNvGrpSpPr/>
-        <p:nvPr/>
-      </p:nvGrpSpPr>
-      <p:grpSpPr>
-        <a:xfrm>
-          <a:off x="0" y="0"/>
-          <a:ext cx="0" cy="0"/>
-          <a:chOff x="0" y="0"/>
-          <a:chExt cx="0" cy="0"/>
-        </a:xfrm>
-      </p:grpSpPr>
-      <p:sp>
-        <p:nvSpPr>
-          <p:cNvPr id="2" name="Title 1"/>
-          <p:cNvSpPr>
-            <a:spLocks noGrp="1"/>
-          </p:cNvSpPr>
-          <p:nvPr>
-            <p:ph type="title"/>
-          </p:nvPr>
-        </p:nvSpPr>
-        <p:spPr/>
-        <p:txBody>
-          <a:bodyPr/>
-          <a:lstStyle/>
-          <a:p>
-            <a:endParaRPr lang="en-US"/>
-          </a:p>
-        </p:txBody>
-      </p:sp>
-      <p:sp>
-        <p:nvSpPr>
-          <p:cNvPr id="3" name="Content Placeholder 2"/>
-          <p:cNvSpPr>
-            <a:spLocks noGrp="1"/>
-          </p:cNvSpPr>
-          <p:nvPr>
-            <p:ph idx="1"/>
-          </p:nvPr>
-        </p:nvSpPr>
-        <p:spPr/>
-        <p:txBody>
-          <a:bodyPr/>
-          <a:lstStyle/>
-          <a:p>
-            <a:endParaRPr lang="en-US"/>
-          </a:p>
-        </p:txBody>
-      </p:sp>
-      <p:pic>
-        <p:nvPicPr>
-          <p:cNvPr id="1026" name="Picture 2" descr="D:\CropperCapture[1].png"/>
-          <p:cNvPicPr>
-            <a:picLocks noChangeAspect="1" noChangeArrowheads="1"/>
-          </p:cNvPicPr>
-          <p:nvPr/>
-        </p:nvPicPr>
-        <p:blipFill>
-          <a:blip r:embed="rId2">
-            <a:extLst>
-              <a:ext uri="{28A0092B-C50C-407E-A947-70E740481C1C}">
-                <a14:useLocalDpi xmlns:a14="http://schemas.microsoft.com/office/drawing/2010/main" val="0"/>
-              </a:ext>
-            </a:extLst>
-          </a:blip>
-          <a:srcRect/>
-          <a:stretch>
-            <a:fillRect/>
-          </a:stretch>
-        </p:blipFill>
-        <p:spPr bwMode="auto">
-          <a:xfrm>
-            <a:off x="304800" y="381000"/>
-            <a:ext cx="7373938" cy="3905250"/>
-          </a:xfrm>
-          <a:prstGeom prst="rect">
-            <a:avLst/>
-          </a:prstGeom>
-          <a:noFill/>
-          <a:extLst>
-            <a:ext uri="{909E8E84-426E-40DD-AFC4-6F175D3DCCD1}">
-              <a14:hiddenFill xmlns:a14="http://schemas.microsoft.com/office/drawing/2010/main">
-                <a:solidFill>
-                  <a:srgbClr val="FFFFFF"/>
-                </a:solidFill>
-              </a14:hiddenFill>
-            </a:ext>
-          </a:extLst>
-        </p:spPr>
-      </p:pic>
-    </p:spTree>
-    <p:extLst>
-      <p:ext uri="{BB962C8B-B14F-4D97-AF65-F5344CB8AC3E}">
-        <p14:creationId xmlns:p14="http://schemas.microsoft.com/office/powerpoint/2010/main" val="150087830"/>
       </p:ext>
     </p:extLst>
   </p:cSld>
@@ -11976,23 +11946,7 @@
           <a:bodyPr/>
           <a:lstStyle/>
           <a:p>
-            <a:r>
-              <a:rPr lang="ru-RU" dirty="0" smtClean="0"/>
-              <a:t>Исследования</a:t>
-            </a:r>
-            <a:r>
-              <a:rPr lang="en-US" dirty="0" smtClean="0"/>
-              <a:t> </a:t>
-            </a:r>
-            <a:r>
-              <a:rPr lang="en-US" dirty="0" err="1" smtClean="0"/>
-              <a:t>yandex</a:t>
-            </a:r>
-            <a:r>
-              <a:rPr lang="en-US" dirty="0" smtClean="0"/>
-              <a:t>	</a:t>
-            </a:r>
-            <a:endParaRPr lang="en-US" dirty="0"/>
+            <a:endParaRPr lang="en-US"/>
           </a:p>
         </p:txBody>
       </p:sp>
@@ -12011,20 +11965,55 @@
           <a:bodyPr/>
           <a:lstStyle/>
           <a:p>
-            <a:pPr marL="0" indent="0">
-              <a:buNone/>
-            </a:pPr>
-            <a:r>
-              <a:rPr lang="en-US"/>
-              <a:t>http://habrahabr.ru/company/yandex/blog/222951/</a:t>
-            </a:r>
-          </a:p>
-        </p:txBody>
-      </p:sp>
+            <a:endParaRPr lang="en-US"/>
+          </a:p>
+        </p:txBody>
+      </p:sp>
+      <p:pic>
+        <p:nvPicPr>
+          <p:cNvPr id="1026" name="Picture 2" descr="D:\CropperCapture[1].png"/>
+          <p:cNvPicPr>
+            <a:picLocks noChangeAspect="1" noChangeArrowheads="1"/>
+          </p:cNvPicPr>
+          <p:nvPr/>
+        </p:nvPicPr>
+        <p:blipFill>
+          <a:blip r:embed="rId2">
+            <a:extLst>
+              <a:ext uri="{28A0092B-C50C-407E-A947-70E740481C1C}">
+                <a14:useLocalDpi xmlns:a14="http://schemas.microsoft.com/office/drawing/2010/main" val="0"/>
+              </a:ext>
+            </a:extLst>
+          </a:blip>
+          <a:srcRect/>
+          <a:stretch>
+            <a:fillRect/>
+          </a:stretch>
+        </p:blipFill>
+        <p:spPr bwMode="auto">
+          <a:xfrm>
+            <a:off x="304800" y="381000"/>
+            <a:ext cx="7373938" cy="3905250"/>
+          </a:xfrm>
+          <a:prstGeom prst="rect">
+            <a:avLst/>
+          </a:prstGeom>
+          <a:noFill/>
+          <a:extLst>
+            <a:ext uri="{909E8E84-426E-40DD-AFC4-6F175D3DCCD1}">
+              <a14:hiddenFill xmlns:a14="http://schemas.microsoft.com/office/drawing/2010/main">
+                <a:solidFill>
+                  <a:srgbClr val="FFFFFF"/>
+                </a:solidFill>
+              </a14:hiddenFill>
+            </a:ext>
+          </a:extLst>
+        </p:spPr>
+      </p:pic>
     </p:spTree>
     <p:extLst>
       <p:ext uri="{BB962C8B-B14F-4D97-AF65-F5344CB8AC3E}">
-        <p14:creationId xmlns:p14="http://schemas.microsoft.com/office/powerpoint/2010/main" val="2392251986"/>
+        <p14:creationId xmlns:p14="http://schemas.microsoft.com/office/powerpoint/2010/main" val="150087830"/>
       </p:ext>
     </p:extLst>
   </p:cSld>
@@ -12066,7 +12055,23 @@
           <a:bodyPr/>
           <a:lstStyle/>
           <a:p>
-            <a:endParaRPr lang="en-US"/>
+            <a:r>
+              <a:rPr lang="ru-RU" dirty="0" smtClean="0"/>
+              <a:t>Исследования</a:t>
+            </a:r>
+            <a:r>
+              <a:rPr lang="en-US" dirty="0" smtClean="0"/>
+              <a:t> </a:t>
+            </a:r>
+            <a:r>
+              <a:rPr lang="en-US" dirty="0" err="1" smtClean="0"/>
+              <a:t>yandex</a:t>
+            </a:r>
+            <a:r>
+              <a:rPr lang="en-US" dirty="0" smtClean="0"/>
+              <a:t>	</a:t>
+            </a:r>
+            <a:endParaRPr lang="en-US" dirty="0"/>
           </a:p>
         </p:txBody>
       </p:sp>
@@ -12085,9 +12090,12 @@
           <a:bodyPr/>
           <a:lstStyle/>
           <a:p>
-            <a:r>
-              <a:rPr lang="en-US" dirty="0"/>
-              <a:t>http://www.slideshare.net/patrickmeenan/webpagetest-power-users-velocity-2014</a:t>
+            <a:pPr marL="0" indent="0">
+              <a:buNone/>
+            </a:pPr>
+            <a:r>
+              <a:rPr lang="en-US"/>
+              <a:t>http://habrahabr.ru/company/yandex/blog/222951/</a:t>
             </a:r>
           </a:p>
         </p:txBody>
@@ -12095,7 +12103,7 @@
     </p:spTree>
     <p:extLst>
       <p:ext uri="{BB962C8B-B14F-4D97-AF65-F5344CB8AC3E}">
-        <p14:creationId xmlns:p14="http://schemas.microsoft.com/office/powerpoint/2010/main" val="1199473615"/>
+        <p14:creationId xmlns:p14="http://schemas.microsoft.com/office/powerpoint/2010/main" val="2392251986"/>
       </p:ext>
     </p:extLst>
   </p:cSld>
@@ -12157,43 +12165,16 @@
           <a:lstStyle/>
           <a:p>
             <a:r>
-              <a:rPr lang="en-US" dirty="0">
-                <a:hlinkClick r:id="rId2"/>
-              </a:rPr>
-              <a:t>http://blog.catchpoint.com/2014/04/29/understanding-rtt-impact-on-tcp-retransmissions</a:t>
-            </a:r>
-            <a:r>
-              <a:rPr lang="en-US" dirty="0" smtClean="0">
-                <a:hlinkClick r:id="rId2"/>
-              </a:rPr>
-              <a:t>/</a:t>
-            </a:r>
-            <a:endParaRPr lang="en-US" dirty="0" smtClean="0"/>
-          </a:p>
-          <a:p>
-            <a:endParaRPr lang="en-US" dirty="0"/>
-          </a:p>
-          <a:p>
-            <a:r>
-              <a:rPr lang="en-US" dirty="0" smtClean="0"/>
-              <a:t>+ </a:t>
-            </a:r>
-            <a:r>
-              <a:rPr lang="en-US" dirty="0" err="1" smtClean="0"/>
-              <a:t>wireshark</a:t>
-            </a:r>
-            <a:r>
-              <a:rPr lang="en-US" dirty="0" smtClean="0"/>
-              <a:t> + three way handshake </a:t>
-            </a:r>
-            <a:endParaRPr lang="en-US" dirty="0"/>
+              <a:rPr lang="en-US" dirty="0"/>
+              <a:t>http://www.slideshare.net/patrickmeenan/webpagetest-power-users-velocity-2014</a:t>
+            </a:r>
           </a:p>
         </p:txBody>
       </p:sp>
     </p:spTree>
     <p:extLst>
       <p:ext uri="{BB962C8B-B14F-4D97-AF65-F5344CB8AC3E}">
-        <p14:creationId xmlns:p14="http://schemas.microsoft.com/office/powerpoint/2010/main" val="3505599076"/>
+        <p14:creationId xmlns:p14="http://schemas.microsoft.com/office/powerpoint/2010/main" val="1199473615"/>
       </p:ext>
     </p:extLst>
   </p:cSld>
@@ -12232,15 +12213,10 @@
         </p:nvSpPr>
         <p:spPr/>
         <p:txBody>
-          <a:bodyPr>
-            <a:normAutofit fontScale="90000"/>
-          </a:bodyPr>
-          <a:lstStyle/>
-          <a:p>
-            <a:r>
-              <a:rPr lang="en-US" dirty="0"/>
-              <a:t>Dial Up Modem Handshake Sound - Spectrogram</a:t>
-            </a:r>
+          <a:bodyPr/>
+          <a:lstStyle/>
+          <a:p>
+            <a:endParaRPr lang="en-US"/>
           </a:p>
         </p:txBody>
       </p:sp>
@@ -12263,13 +12239,13 @@
               <a:rPr lang="en-US" dirty="0">
                 <a:hlinkClick r:id="rId2"/>
               </a:rPr>
-              <a:t>https://</a:t>
+              <a:t>http://blog.catchpoint.com/2014/04/29/understanding-rtt-impact-on-tcp-retransmissions</a:t>
             </a:r>
             <a:r>
               <a:rPr lang="en-US" dirty="0" smtClean="0">
                 <a:hlinkClick r:id="rId2"/>
               </a:rPr>
-              <a:t>www.youtube.com/watch?v=vvr9AMWEU-c</a:t>
+              <a:t>/</a:t>
             </a:r>
             <a:endParaRPr lang="en-US" dirty="0" smtClean="0"/>
           </a:p>
@@ -12278,20 +12254,17 @@
           </a:p>
           <a:p>
             <a:r>
-              <a:rPr lang="en-US" dirty="0">
-                <a:hlinkClick r:id="rId3"/>
-              </a:rPr>
-              <a:t>http://</a:t>
-            </a:r>
-            <a:r>
-              <a:rPr lang="en-US" dirty="0" smtClean="0">
-                <a:hlinkClick r:id="rId3"/>
-              </a:rPr>
-              <a:t>i.imgur.com/5Dq6K2U.png</a:t>
-            </a:r>
-            <a:endParaRPr lang="en-US" dirty="0" smtClean="0"/>
-          </a:p>
-          <a:p>
+              <a:rPr lang="en-US" dirty="0" smtClean="0"/>
+              <a:t>+ </a:t>
+            </a:r>
+            <a:r>
+              <a:rPr lang="en-US" dirty="0" err="1" smtClean="0"/>
+              <a:t>wireshark</a:t>
+            </a:r>
+            <a:r>
+              <a:rPr lang="en-US" dirty="0" smtClean="0"/>
+              <a:t> + three way handshake </a:t>
+            </a:r>
             <a:endParaRPr lang="en-US" dirty="0"/>
           </a:p>
         </p:txBody>
@@ -12299,7 +12272,7 @@
     </p:spTree>
     <p:extLst>
       <p:ext uri="{BB962C8B-B14F-4D97-AF65-F5344CB8AC3E}">
-        <p14:creationId xmlns:p14="http://schemas.microsoft.com/office/powerpoint/2010/main" val="1654085607"/>
+        <p14:creationId xmlns:p14="http://schemas.microsoft.com/office/powerpoint/2010/main" val="3505599076"/>
       </p:ext>
     </p:extLst>
   </p:cSld>
@@ -12338,14 +12311,15 @@
         </p:nvSpPr>
         <p:spPr/>
         <p:txBody>
-          <a:bodyPr/>
-          <a:lstStyle/>
-          <a:p>
-            <a:r>
-              <a:rPr lang="en-US" dirty="0" smtClean="0"/>
-              <a:t>Nice presentation	</a:t>
-            </a:r>
-            <a:endParaRPr lang="en-US" dirty="0"/>
+          <a:bodyPr>
+            <a:normAutofit fontScale="90000"/>
+          </a:bodyPr>
+          <a:lstStyle/>
+          <a:p>
+            <a:r>
+              <a:rPr lang="en-US" dirty="0"/>
+              <a:t>Dial Up Modem Handshake Sound - Spectrogram</a:t>
+            </a:r>
           </a:p>
         </p:txBody>
       </p:sp>
@@ -12368,35 +12342,31 @@
               <a:rPr lang="en-US" dirty="0">
                 <a:hlinkClick r:id="rId2"/>
               </a:rPr>
-              <a:t>http://mattandrews.info/talks/port80-2013/#/11</a:t>
-            </a:r>
-            <a:endParaRPr lang="en-US" dirty="0" smtClean="0">
-              <a:hlinkClick r:id="rId2"/>
-            </a:endParaRPr>
-          </a:p>
-          <a:p>
-            <a:endParaRPr lang="en-US" dirty="0">
-              <a:hlinkClick r:id="rId2"/>
-            </a:endParaRPr>
-          </a:p>
-          <a:p>
+              <a:t>https://</a:t>
+            </a:r>
             <a:r>
               <a:rPr lang="en-US" dirty="0" smtClean="0">
                 <a:hlinkClick r:id="rId2"/>
               </a:rPr>
-              <a:t>https</a:t>
-            </a:r>
+              <a:t>www.youtube.com/watch?v=vvr9AMWEU-c</a:t>
+            </a:r>
+            <a:endParaRPr lang="en-US" dirty="0" smtClean="0"/>
+          </a:p>
+          <a:p>
+            <a:endParaRPr lang="en-US" dirty="0"/>
+          </a:p>
+          <a:p>
             <a:r>
               <a:rPr lang="en-US" dirty="0">
-                <a:hlinkClick r:id="rId2"/>
+                <a:hlinkClick r:id="rId3"/>
               </a:rPr>
-              <a:t>://</a:t>
+              <a:t>http://</a:t>
             </a:r>
             <a:r>
               <a:rPr lang="en-US" dirty="0" smtClean="0">
-                <a:hlinkClick r:id="rId2"/>
+                <a:hlinkClick r:id="rId3"/>
               </a:rPr>
-              <a:t>speakerdeck.com/patrickhamann/css-and-the-critical-path</a:t>
+              <a:t>i.imgur.com/5Dq6K2U.png</a:t>
             </a:r>
             <a:endParaRPr lang="en-US" dirty="0" smtClean="0"/>
           </a:p>
@@ -12408,7 +12378,7 @@
     </p:spTree>
     <p:extLst>
       <p:ext uri="{BB962C8B-B14F-4D97-AF65-F5344CB8AC3E}">
-        <p14:creationId xmlns:p14="http://schemas.microsoft.com/office/powerpoint/2010/main" val="308033494"/>
+        <p14:creationId xmlns:p14="http://schemas.microsoft.com/office/powerpoint/2010/main" val="1654085607"/>
       </p:ext>
     </p:extLst>
   </p:cSld>
@@ -12452,7 +12422,7 @@
           <a:p>
             <a:r>
               <a:rPr lang="en-US" dirty="0" smtClean="0"/>
-              <a:t>SPDY</a:t>
+              <a:t>Nice presentation	</a:t>
             </a:r>
             <a:endParaRPr lang="en-US" dirty="0"/>
           </a:p>
@@ -12477,43 +12447,35 @@
               <a:rPr lang="en-US" dirty="0">
                 <a:hlinkClick r:id="rId2"/>
               </a:rPr>
-              <a:t>https://developers.google.com/speed/spdy</a:t>
-            </a:r>
+              <a:t>http://mattandrews.info/talks/port80-2013/#/11</a:t>
+            </a:r>
+            <a:endParaRPr lang="en-US" dirty="0" smtClean="0">
+              <a:hlinkClick r:id="rId2"/>
+            </a:endParaRPr>
+          </a:p>
+          <a:p>
+            <a:endParaRPr lang="en-US" dirty="0">
+              <a:hlinkClick r:id="rId2"/>
+            </a:endParaRPr>
+          </a:p>
+          <a:p>
             <a:r>
               <a:rPr lang="en-US" dirty="0" smtClean="0">
                 <a:hlinkClick r:id="rId2"/>
               </a:rPr>
-              <a:t>/</a:t>
-            </a:r>
-            <a:endParaRPr lang="en-US" dirty="0" smtClean="0"/>
-          </a:p>
-          <a:p>
+              <a:t>https</a:t>
+            </a:r>
             <a:r>
               <a:rPr lang="en-US" dirty="0">
-                <a:hlinkClick r:id="rId3"/>
+                <a:hlinkClick r:id="rId2"/>
               </a:rPr>
-              <a:t>http://</a:t>
+              <a:t>://</a:t>
             </a:r>
             <a:r>
               <a:rPr lang="en-US" dirty="0" smtClean="0">
-                <a:hlinkClick r:id="rId3"/>
+                <a:hlinkClick r:id="rId2"/>
               </a:rPr>
-              <a:t>dev.chromium.org/spdy/spdy-best-practices</a:t>
-            </a:r>
-            <a:endParaRPr lang="en-US" dirty="0" smtClean="0"/>
-          </a:p>
-          <a:p>
-            <a:r>
-              <a:rPr lang="en-US" dirty="0">
-                <a:hlinkClick r:id="rId4"/>
-              </a:rPr>
-              <a:t>http://</a:t>
-            </a:r>
-            <a:r>
-              <a:rPr lang="en-US" dirty="0" smtClean="0">
-                <a:hlinkClick r:id="rId4"/>
-              </a:rPr>
-              <a:t>googlecode.blogspot.com/2012/01/making-web-speedier-and-safer-with-spdy.html</a:t>
+              <a:t>speakerdeck.com/patrickhamann/css-and-the-critical-path</a:t>
             </a:r>
             <a:endParaRPr lang="en-US" dirty="0" smtClean="0"/>
           </a:p>
@@ -12525,7 +12487,7 @@
     </p:spTree>
     <p:extLst>
       <p:ext uri="{BB962C8B-B14F-4D97-AF65-F5344CB8AC3E}">
-        <p14:creationId xmlns:p14="http://schemas.microsoft.com/office/powerpoint/2010/main" val="2319748775"/>
+        <p14:creationId xmlns:p14="http://schemas.microsoft.com/office/powerpoint/2010/main" val="308033494"/>
       </p:ext>
     </p:extLst>
   </p:cSld>
@@ -12567,7 +12529,11 @@
           <a:bodyPr/>
           <a:lstStyle/>
           <a:p>
-            <a:endParaRPr lang="en-US"/>
+            <a:r>
+              <a:rPr lang="en-US" dirty="0" smtClean="0"/>
+              <a:t>SPDY</a:t>
+            </a:r>
+            <a:endParaRPr lang="en-US" dirty="0"/>
           </a:p>
         </p:txBody>
       </p:sp>
@@ -12586,14 +12552,11 @@
           <a:bodyPr/>
           <a:lstStyle/>
           <a:p>
-            <a:pPr marL="0" indent="0">
-              <a:buNone/>
-            </a:pPr>
             <a:r>
               <a:rPr lang="en-US" dirty="0">
                 <a:hlinkClick r:id="rId2"/>
               </a:rPr>
-              <a:t>http://blog.catchpoint.com/2014/04/29/understanding-rtt-impact-on-tcp-retransmissions</a:t>
+              <a:t>https://developers.google.com/speed/spdy</a:t>
             </a:r>
             <a:r>
               <a:rPr lang="en-US" dirty="0" smtClean="0">
@@ -12604,9 +12567,36 @@
             <a:endParaRPr lang="en-US" dirty="0" smtClean="0"/>
           </a:p>
           <a:p>
-            <a:pPr marL="0" indent="0">
-              <a:buNone/>
-            </a:pPr>
+            <a:r>
+              <a:rPr lang="en-US" dirty="0">
+                <a:hlinkClick r:id="rId3"/>
+              </a:rPr>
+              <a:t>http://</a:t>
+            </a:r>
+            <a:r>
+              <a:rPr lang="en-US" dirty="0" smtClean="0">
+                <a:hlinkClick r:id="rId3"/>
+              </a:rPr>
+              <a:t>dev.chromium.org/spdy/spdy-best-practices</a:t>
+            </a:r>
+            <a:endParaRPr lang="en-US" dirty="0" smtClean="0"/>
+          </a:p>
+          <a:p>
+            <a:r>
+              <a:rPr lang="en-US" dirty="0">
+                <a:hlinkClick r:id="rId4"/>
+              </a:rPr>
+              <a:t>http://</a:t>
+            </a:r>
+            <a:r>
+              <a:rPr lang="en-US" dirty="0" smtClean="0">
+                <a:hlinkClick r:id="rId4"/>
+              </a:rPr>
+              <a:t>googlecode.blogspot.com/2012/01/making-web-speedier-and-safer-with-spdy.html</a:t>
+            </a:r>
+            <a:endParaRPr lang="en-US" dirty="0" smtClean="0"/>
+          </a:p>
+          <a:p>
             <a:endParaRPr lang="en-US" dirty="0"/>
           </a:p>
         </p:txBody>
@@ -12614,7 +12604,7 @@
     </p:spTree>
     <p:extLst>
       <p:ext uri="{BB962C8B-B14F-4D97-AF65-F5344CB8AC3E}">
-        <p14:creationId xmlns:p14="http://schemas.microsoft.com/office/powerpoint/2010/main" val="2815582815"/>
+        <p14:creationId xmlns:p14="http://schemas.microsoft.com/office/powerpoint/2010/main" val="2319748775"/>
       </p:ext>
     </p:extLst>
   </p:cSld>
@@ -12653,6 +12643,95 @@
         </p:nvSpPr>
         <p:spPr/>
         <p:txBody>
+          <a:bodyPr/>
+          <a:lstStyle/>
+          <a:p>
+            <a:endParaRPr lang="en-US"/>
+          </a:p>
+        </p:txBody>
+      </p:sp>
+      <p:sp>
+        <p:nvSpPr>
+          <p:cNvPr id="3" name="Content Placeholder 2"/>
+          <p:cNvSpPr>
+            <a:spLocks noGrp="1"/>
+          </p:cNvSpPr>
+          <p:nvPr>
+            <p:ph idx="1"/>
+          </p:nvPr>
+        </p:nvSpPr>
+        <p:spPr/>
+        <p:txBody>
+          <a:bodyPr/>
+          <a:lstStyle/>
+          <a:p>
+            <a:pPr marL="0" indent="0">
+              <a:buNone/>
+            </a:pPr>
+            <a:r>
+              <a:rPr lang="en-US" dirty="0">
+                <a:hlinkClick r:id="rId2"/>
+              </a:rPr>
+              <a:t>http://blog.catchpoint.com/2014/04/29/understanding-rtt-impact-on-tcp-retransmissions</a:t>
+            </a:r>
+            <a:r>
+              <a:rPr lang="en-US" dirty="0" smtClean="0">
+                <a:hlinkClick r:id="rId2"/>
+              </a:rPr>
+              <a:t>/</a:t>
+            </a:r>
+            <a:endParaRPr lang="en-US" dirty="0" smtClean="0"/>
+          </a:p>
+          <a:p>
+            <a:pPr marL="0" indent="0">
+              <a:buNone/>
+            </a:pPr>
+            <a:endParaRPr lang="en-US" dirty="0"/>
+          </a:p>
+        </p:txBody>
+      </p:sp>
+    </p:spTree>
+    <p:extLst>
+      <p:ext uri="{BB962C8B-B14F-4D97-AF65-F5344CB8AC3E}">
+        <p14:creationId xmlns:p14="http://schemas.microsoft.com/office/powerpoint/2010/main" val="2815582815"/>
+      </p:ext>
+    </p:extLst>
+  </p:cSld>
+  <p:clrMapOvr>
+    <a:masterClrMapping/>
+  </p:clrMapOvr>
+</p:sld>
+</file>
+
+<file path=ppt/slides/slide68.xml><?xml version="1.0" encoding="utf-8"?>
+<p:sld xmlns:a="http://schemas.openxmlformats.org/drawingml/2006/main" xmlns:r="http://schemas.openxmlformats.org/officeDocument/2006/relationships" xmlns:p="http://schemas.openxmlformats.org/presentationml/2006/main">
+  <p:cSld>
+    <p:spTree>
+      <p:nvGrpSpPr>
+        <p:cNvPr id="1" name=""/>
+        <p:cNvGrpSpPr/>
+        <p:nvPr/>
+      </p:nvGrpSpPr>
+      <p:grpSpPr>
+        <a:xfrm>
+          <a:off x="0" y="0"/>
+          <a:ext cx="0" cy="0"/>
+          <a:chOff x="0" y="0"/>
+          <a:chExt cx="0" cy="0"/>
+        </a:xfrm>
+      </p:grpSpPr>
+      <p:sp>
+        <p:nvSpPr>
+          <p:cNvPr id="2" name="Title 1"/>
+          <p:cNvSpPr>
+            <a:spLocks noGrp="1"/>
+          </p:cNvSpPr>
+          <p:nvPr>
+            <p:ph type="title"/>
+          </p:nvPr>
+        </p:nvSpPr>
+        <p:spPr/>
+        <p:txBody>
           <a:bodyPr>
             <a:normAutofit fontScale="90000"/>
           </a:bodyPr>
@@ -12723,7 +12802,7 @@
 </p:sld>
 </file>
 
-<file path=ppt/slides/slide68.xml><?xml version="1.0" encoding="utf-8"?>
+<file path=ppt/slides/slide69.xml><?xml version="1.0" encoding="utf-8"?>
 <p:sld xmlns:a="http://schemas.openxmlformats.org/drawingml/2006/main" xmlns:r="http://schemas.openxmlformats.org/officeDocument/2006/relationships" xmlns:p="http://schemas.openxmlformats.org/presentationml/2006/main">
   <p:cSld>
     <p:spTree>
